--- a/aspnet5/slides/02_Middleware.pptx
+++ b/aspnet5/slides/02_Middleware.pptx
@@ -309,7 +309,7 @@
               <a:pPr>
                 <a:defRPr/>
               </a:pPr>
-              <a:t>9/2/2015</a:t>
+              <a:t>9/8/2015</a:t>
             </a:fld>
             <a:endParaRPr lang="en-US"/>
           </a:p>
@@ -2878,7 +2878,6 @@
               <a:rPr lang="en-US" dirty="0" smtClean="0"/>
               <a:t>Middleware</a:t>
             </a:r>
-            <a:endParaRPr lang="en-US" dirty="0" smtClean="0"/>
           </a:p>
         </p:txBody>
       </p:sp>
@@ -2902,7 +2901,6 @@
               <a:rPr lang="en-US" dirty="0" smtClean="0"/>
               <a:t>The HTTP Pipeline</a:t>
             </a:r>
-            <a:endParaRPr lang="en-US" dirty="0" smtClean="0"/>
           </a:p>
         </p:txBody>
       </p:sp>
@@ -4113,56 +4111,388 @@
           </a:p>
         </p:txBody>
       </p:sp>
-      <p:pic>
-        <p:nvPicPr>
-          <p:cNvPr id="4" name="Picture 2" descr="../_images/request-delegate-pipeline.png"/>
-          <p:cNvPicPr>
-            <a:picLocks noChangeAspect="1" noChangeArrowheads="1"/>
-          </p:cNvPicPr>
+      <p:sp>
+        <p:nvSpPr>
+          <p:cNvPr id="5" name="Rectangle 4"/>
+          <p:cNvSpPr/>
           <p:nvPr/>
-        </p:nvPicPr>
-        <p:blipFill>
-          <a:blip r:embed="rId2">
-            <a:extLst>
-              <a:ext uri="{28A0092B-C50C-407E-A947-70E740481C1C}">
-                <a14:useLocalDpi xmlns:a14="http://schemas.microsoft.com/office/drawing/2010/main" val="0"/>
-              </a:ext>
-            </a:extLst>
-          </a:blip>
-          <a:srcRect/>
-          <a:stretch>
-            <a:fillRect/>
-          </a:stretch>
-        </p:blipFill>
+        </p:nvSpPr>
         <p:spPr bwMode="auto">
           <a:xfrm>
-            <a:off x="1752600" y="2362200"/>
-            <a:ext cx="4953000" cy="3169920"/>
+            <a:off x="1447800" y="5410200"/>
+            <a:ext cx="5943600" cy="533400"/>
           </a:xfrm>
           <a:prstGeom prst="rect">
             <a:avLst/>
           </a:prstGeom>
-          <a:ln>
-            <a:noFill/>
+          <a:solidFill>
+            <a:srgbClr val="FFFFCC"/>
+          </a:solidFill>
+          <a:ln w="9525" algn="ctr">
+            <a:solidFill>
+              <a:schemeClr val="tx1"/>
+            </a:solidFill>
+            <a:miter lim="800000"/>
+            <a:headEnd/>
+            <a:tailEnd/>
           </a:ln>
           <a:effectLst>
-            <a:outerShdw blurRad="292100" dist="139700" dir="2700000" algn="tl" rotWithShape="0">
-              <a:srgbClr val="333333">
-                <a:alpha val="65000"/>
-              </a:srgbClr>
+            <a:outerShdw blurRad="50800" dist="38100" dir="2700000" algn="tl" rotWithShape="0">
+              <a:prstClr val="black">
+                <a:alpha val="40000"/>
+              </a:prstClr>
             </a:outerShdw>
           </a:effectLst>
-          <a:extLst>
-            <a:ext uri="{909E8E84-426E-40DD-AFC4-6F175D3DCCD1}">
-              <a14:hiddenFill xmlns:a14="http://schemas.microsoft.com/office/drawing/2010/main">
-                <a:solidFill>
-                  <a:srgbClr val="FFFFFF"/>
-                </a:solidFill>
-              </a14:hiddenFill>
-            </a:ext>
-          </a:extLst>
         </p:spPr>
-      </p:pic>
+        <p:txBody>
+          <a:bodyPr wrap="none" rtlCol="0" anchor="ctr"/>
+          <a:lstStyle/>
+          <a:p>
+            <a:pPr algn="ctr"/>
+            <a:r>
+              <a:rPr lang="en-US" sz="2000" dirty="0" smtClean="0">
+                <a:latin typeface="Tekton Pro" pitchFamily="34" charset="0"/>
+              </a:rPr>
+              <a:t>Host</a:t>
+            </a:r>
+            <a:endParaRPr lang="en-US" sz="2000" dirty="0">
+              <a:latin typeface="Tekton Pro" pitchFamily="34" charset="0"/>
+            </a:endParaRPr>
+          </a:p>
+        </p:txBody>
+      </p:sp>
+      <p:sp>
+        <p:nvSpPr>
+          <p:cNvPr id="6" name="Rectangle 5"/>
+          <p:cNvSpPr/>
+          <p:nvPr/>
+        </p:nvSpPr>
+        <p:spPr bwMode="auto">
+          <a:xfrm>
+            <a:off x="1447800" y="4648200"/>
+            <a:ext cx="5943600" cy="533400"/>
+          </a:xfrm>
+          <a:prstGeom prst="rect">
+            <a:avLst/>
+          </a:prstGeom>
+          <a:solidFill>
+            <a:srgbClr val="FFFFCC"/>
+          </a:solidFill>
+          <a:ln w="9525" algn="ctr">
+            <a:solidFill>
+              <a:schemeClr val="tx1"/>
+            </a:solidFill>
+            <a:miter lim="800000"/>
+            <a:headEnd/>
+            <a:tailEnd/>
+          </a:ln>
+          <a:effectLst>
+            <a:outerShdw blurRad="50800" dist="38100" dir="2700000" algn="tl" rotWithShape="0">
+              <a:prstClr val="black">
+                <a:alpha val="40000"/>
+              </a:prstClr>
+            </a:outerShdw>
+          </a:effectLst>
+        </p:spPr>
+        <p:txBody>
+          <a:bodyPr wrap="none" rtlCol="0" anchor="ctr"/>
+          <a:lstStyle/>
+          <a:p>
+            <a:pPr algn="ctr"/>
+            <a:r>
+              <a:rPr lang="en-US" sz="2000" dirty="0" smtClean="0">
+                <a:latin typeface="Tekton Pro" pitchFamily="34" charset="0"/>
+              </a:rPr>
+              <a:t>Server</a:t>
+            </a:r>
+            <a:endParaRPr lang="en-US" sz="2000" dirty="0">
+              <a:latin typeface="Tekton Pro" pitchFamily="34" charset="0"/>
+            </a:endParaRPr>
+          </a:p>
+        </p:txBody>
+      </p:sp>
+      <p:sp>
+        <p:nvSpPr>
+          <p:cNvPr id="7" name="Rectangle 6"/>
+          <p:cNvSpPr/>
+          <p:nvPr/>
+        </p:nvSpPr>
+        <p:spPr bwMode="auto">
+          <a:xfrm>
+            <a:off x="1447800" y="1905000"/>
+            <a:ext cx="5943600" cy="2438400"/>
+          </a:xfrm>
+          <a:prstGeom prst="rect">
+            <a:avLst/>
+          </a:prstGeom>
+          <a:solidFill>
+            <a:srgbClr val="D3D3A9"/>
+          </a:solidFill>
+          <a:ln w="9525" algn="ctr">
+            <a:solidFill>
+              <a:schemeClr val="tx1"/>
+            </a:solidFill>
+            <a:miter lim="800000"/>
+            <a:headEnd/>
+            <a:tailEnd/>
+          </a:ln>
+          <a:effectLst>
+            <a:outerShdw blurRad="50800" dist="38100" dir="2700000" algn="tl" rotWithShape="0">
+              <a:prstClr val="black">
+                <a:alpha val="40000"/>
+              </a:prstClr>
+            </a:outerShdw>
+          </a:effectLst>
+        </p:spPr>
+        <p:txBody>
+          <a:bodyPr wrap="none" rtlCol="0" anchor="ctr"/>
+          <a:lstStyle/>
+          <a:p>
+            <a:pPr algn="ctr"/>
+            <a:endParaRPr lang="en-US" sz="2000" dirty="0">
+              <a:latin typeface="Tekton Pro" pitchFamily="34" charset="0"/>
+            </a:endParaRPr>
+          </a:p>
+        </p:txBody>
+      </p:sp>
+      <p:sp>
+        <p:nvSpPr>
+          <p:cNvPr id="8" name="Rectangle 7"/>
+          <p:cNvSpPr/>
+          <p:nvPr/>
+        </p:nvSpPr>
+        <p:spPr bwMode="auto">
+          <a:xfrm>
+            <a:off x="2286000" y="3581400"/>
+            <a:ext cx="4419600" cy="446202"/>
+          </a:xfrm>
+          <a:prstGeom prst="rect">
+            <a:avLst/>
+          </a:prstGeom>
+          <a:solidFill>
+            <a:srgbClr val="A4D289"/>
+          </a:solidFill>
+          <a:ln w="9525" algn="ctr">
+            <a:solidFill>
+              <a:schemeClr val="tx1"/>
+            </a:solidFill>
+            <a:miter lim="800000"/>
+            <a:headEnd/>
+            <a:tailEnd/>
+          </a:ln>
+          <a:effectLst>
+            <a:outerShdw blurRad="50800" dist="38100" dir="2700000" algn="tl" rotWithShape="0">
+              <a:prstClr val="black">
+                <a:alpha val="40000"/>
+              </a:prstClr>
+            </a:outerShdw>
+          </a:effectLst>
+        </p:spPr>
+        <p:txBody>
+          <a:bodyPr wrap="none" rtlCol="0" anchor="ctr"/>
+          <a:lstStyle/>
+          <a:p>
+            <a:pPr algn="ctr"/>
+            <a:r>
+              <a:rPr lang="en-US" sz="2000" dirty="0" smtClean="0">
+                <a:latin typeface="Tekton Pro" pitchFamily="34" charset="0"/>
+              </a:rPr>
+              <a:t>Middleware</a:t>
+            </a:r>
+            <a:endParaRPr lang="en-US" sz="2000" dirty="0">
+              <a:latin typeface="Tekton Pro" pitchFamily="34" charset="0"/>
+            </a:endParaRPr>
+          </a:p>
+        </p:txBody>
+      </p:sp>
+      <p:sp>
+        <p:nvSpPr>
+          <p:cNvPr id="9" name="Rectangle 8"/>
+          <p:cNvSpPr/>
+          <p:nvPr/>
+        </p:nvSpPr>
+        <p:spPr bwMode="auto">
+          <a:xfrm>
+            <a:off x="2286000" y="2892065"/>
+            <a:ext cx="4419600" cy="446202"/>
+          </a:xfrm>
+          <a:prstGeom prst="rect">
+            <a:avLst/>
+          </a:prstGeom>
+          <a:solidFill>
+            <a:srgbClr val="A4D289"/>
+          </a:solidFill>
+          <a:ln w="9525" algn="ctr">
+            <a:solidFill>
+              <a:schemeClr val="tx1"/>
+            </a:solidFill>
+            <a:miter lim="800000"/>
+            <a:headEnd/>
+            <a:tailEnd/>
+          </a:ln>
+          <a:effectLst>
+            <a:outerShdw blurRad="50800" dist="38100" dir="2700000" algn="tl" rotWithShape="0">
+              <a:prstClr val="black">
+                <a:alpha val="40000"/>
+              </a:prstClr>
+            </a:outerShdw>
+          </a:effectLst>
+        </p:spPr>
+        <p:txBody>
+          <a:bodyPr wrap="none" rtlCol="0" anchor="ctr"/>
+          <a:lstStyle/>
+          <a:p>
+            <a:pPr algn="ctr"/>
+            <a:r>
+              <a:rPr lang="en-US" sz="2000" dirty="0" smtClean="0">
+                <a:latin typeface="Tekton Pro" pitchFamily="34" charset="0"/>
+              </a:rPr>
+              <a:t>Middleware</a:t>
+            </a:r>
+            <a:endParaRPr lang="en-US" sz="2000" dirty="0">
+              <a:latin typeface="Tekton Pro" pitchFamily="34" charset="0"/>
+            </a:endParaRPr>
+          </a:p>
+        </p:txBody>
+      </p:sp>
+      <p:sp>
+        <p:nvSpPr>
+          <p:cNvPr id="10" name="Rectangle 9"/>
+          <p:cNvSpPr/>
+          <p:nvPr/>
+        </p:nvSpPr>
+        <p:spPr bwMode="auto">
+          <a:xfrm>
+            <a:off x="2286000" y="2220798"/>
+            <a:ext cx="4419600" cy="446202"/>
+          </a:xfrm>
+          <a:prstGeom prst="rect">
+            <a:avLst/>
+          </a:prstGeom>
+          <a:solidFill>
+            <a:srgbClr val="A4D289"/>
+          </a:solidFill>
+          <a:ln w="9525" algn="ctr">
+            <a:solidFill>
+              <a:schemeClr val="tx1"/>
+            </a:solidFill>
+            <a:miter lim="800000"/>
+            <a:headEnd/>
+            <a:tailEnd/>
+          </a:ln>
+          <a:effectLst>
+            <a:outerShdw blurRad="50800" dist="38100" dir="2700000" algn="tl" rotWithShape="0">
+              <a:prstClr val="black">
+                <a:alpha val="40000"/>
+              </a:prstClr>
+            </a:outerShdw>
+          </a:effectLst>
+        </p:spPr>
+        <p:txBody>
+          <a:bodyPr wrap="none" rtlCol="0" anchor="ctr"/>
+          <a:lstStyle/>
+          <a:p>
+            <a:pPr algn="ctr"/>
+            <a:r>
+              <a:rPr lang="en-US" sz="2000" dirty="0" smtClean="0">
+                <a:latin typeface="Tekton Pro" pitchFamily="34" charset="0"/>
+              </a:rPr>
+              <a:t>Middleware</a:t>
+            </a:r>
+            <a:endParaRPr lang="en-US" sz="2000" dirty="0">
+              <a:latin typeface="Tekton Pro" pitchFamily="34" charset="0"/>
+            </a:endParaRPr>
+          </a:p>
+        </p:txBody>
+      </p:sp>
+      <p:sp>
+        <p:nvSpPr>
+          <p:cNvPr id="11" name="Up Arrow 10"/>
+          <p:cNvSpPr/>
+          <p:nvPr/>
+        </p:nvSpPr>
+        <p:spPr bwMode="auto">
+          <a:xfrm>
+            <a:off x="2290713" y="2220798"/>
+            <a:ext cx="533400" cy="4332402"/>
+          </a:xfrm>
+          <a:prstGeom prst="upArrow">
+            <a:avLst/>
+          </a:prstGeom>
+          <a:solidFill>
+            <a:srgbClr val="5DB024"/>
+          </a:solidFill>
+          <a:ln w="9525" algn="ctr">
+            <a:solidFill>
+              <a:schemeClr val="tx1"/>
+            </a:solidFill>
+            <a:miter lim="800000"/>
+            <a:headEnd/>
+            <a:tailEnd/>
+          </a:ln>
+          <a:effectLst>
+            <a:outerShdw blurRad="50800" dist="38100" dir="2700000" algn="tl" rotWithShape="0">
+              <a:prstClr val="black">
+                <a:alpha val="40000"/>
+              </a:prstClr>
+            </a:outerShdw>
+          </a:effectLst>
+        </p:spPr>
+        <p:txBody>
+          <a:bodyPr wrap="none" rtlCol="0" anchor="ctr"/>
+          <a:lstStyle/>
+          <a:p>
+            <a:pPr algn="ctr"/>
+            <a:endParaRPr lang="en-US" sz="2000" dirty="0">
+              <a:latin typeface="Tekton Pro" pitchFamily="34" charset="0"/>
+            </a:endParaRPr>
+          </a:p>
+        </p:txBody>
+      </p:sp>
+      <p:sp>
+        <p:nvSpPr>
+          <p:cNvPr id="12" name="Up Arrow 11"/>
+          <p:cNvSpPr/>
+          <p:nvPr/>
+        </p:nvSpPr>
+        <p:spPr bwMode="auto">
+          <a:xfrm rot="10800000">
+            <a:off x="6135278" y="2220798"/>
+            <a:ext cx="533400" cy="4332402"/>
+          </a:xfrm>
+          <a:prstGeom prst="upArrow">
+            <a:avLst/>
+          </a:prstGeom>
+          <a:solidFill>
+            <a:srgbClr val="5DB024"/>
+          </a:solidFill>
+          <a:ln w="9525" algn="ctr">
+            <a:solidFill>
+              <a:schemeClr val="tx1"/>
+            </a:solidFill>
+            <a:miter lim="800000"/>
+            <a:headEnd/>
+            <a:tailEnd/>
+          </a:ln>
+          <a:effectLst>
+            <a:outerShdw blurRad="50800" dist="38100" dir="2700000" algn="tl" rotWithShape="0">
+              <a:prstClr val="black">
+                <a:alpha val="40000"/>
+              </a:prstClr>
+            </a:outerShdw>
+          </a:effectLst>
+        </p:spPr>
+        <p:txBody>
+          <a:bodyPr wrap="none" rtlCol="0" anchor="ctr"/>
+          <a:lstStyle/>
+          <a:p>
+            <a:pPr algn="ctr"/>
+            <a:endParaRPr lang="en-US" sz="2000" dirty="0">
+              <a:latin typeface="Tekton Pro" pitchFamily="34" charset="0"/>
+            </a:endParaRPr>
+          </a:p>
+        </p:txBody>
+      </p:sp>
     </p:spTree>
     <p:extLst>
       <p:ext uri="{BB962C8B-B14F-4D97-AF65-F5344CB8AC3E}">
@@ -5300,73 +5630,482 @@
       </p:sp>
       <p:sp>
         <p:nvSpPr>
-          <p:cNvPr id="3" name="Text Placeholder 2"/>
-          <p:cNvSpPr>
-            <a:spLocks noGrp="1"/>
-          </p:cNvSpPr>
-          <p:nvPr>
-            <p:ph type="body" idx="1"/>
-          </p:nvPr>
-        </p:nvSpPr>
-        <p:spPr/>
-        <p:txBody>
-          <a:bodyPr/>
-          <a:lstStyle/>
-          <a:p>
-            <a:endParaRPr lang="en-US"/>
-          </a:p>
-        </p:txBody>
-      </p:sp>
-      <p:pic>
-        <p:nvPicPr>
-          <p:cNvPr id="4" name="Picture 2" descr="../_images/request-delegate-pipeline.png"/>
-          <p:cNvPicPr>
-            <a:picLocks noChangeAspect="1" noChangeArrowheads="1"/>
-          </p:cNvPicPr>
+          <p:cNvPr id="5" name="Rectangle 4"/>
+          <p:cNvSpPr/>
           <p:nvPr/>
-        </p:nvPicPr>
-        <p:blipFill>
-          <a:blip r:embed="rId2">
-            <a:extLst>
-              <a:ext uri="{28A0092B-C50C-407E-A947-70E740481C1C}">
-                <a14:useLocalDpi xmlns:a14="http://schemas.microsoft.com/office/drawing/2010/main" val="0"/>
-              </a:ext>
-            </a:extLst>
-          </a:blip>
-          <a:srcRect/>
-          <a:stretch>
-            <a:fillRect/>
-          </a:stretch>
-        </p:blipFill>
+        </p:nvSpPr>
         <p:spPr bwMode="auto">
           <a:xfrm>
-            <a:off x="1752600" y="2362200"/>
-            <a:ext cx="4953000" cy="3169920"/>
+            <a:off x="1600200" y="4953000"/>
+            <a:ext cx="5943600" cy="533400"/>
           </a:xfrm>
           <a:prstGeom prst="rect">
             <a:avLst/>
           </a:prstGeom>
-          <a:ln>
-            <a:noFill/>
+          <a:solidFill>
+            <a:srgbClr val="FFFFCC"/>
+          </a:solidFill>
+          <a:ln w="9525" algn="ctr">
+            <a:solidFill>
+              <a:schemeClr val="tx1"/>
+            </a:solidFill>
+            <a:miter lim="800000"/>
+            <a:headEnd/>
+            <a:tailEnd/>
           </a:ln>
           <a:effectLst>
-            <a:outerShdw blurRad="292100" dist="139700" dir="2700000" algn="tl" rotWithShape="0">
-              <a:srgbClr val="333333">
-                <a:alpha val="65000"/>
-              </a:srgbClr>
+            <a:outerShdw blurRad="50800" dist="38100" dir="2700000" algn="tl" rotWithShape="0">
+              <a:prstClr val="black">
+                <a:alpha val="40000"/>
+              </a:prstClr>
             </a:outerShdw>
           </a:effectLst>
-          <a:extLst>
-            <a:ext uri="{909E8E84-426E-40DD-AFC4-6F175D3DCCD1}">
-              <a14:hiddenFill xmlns:a14="http://schemas.microsoft.com/office/drawing/2010/main">
-                <a:solidFill>
-                  <a:srgbClr val="FFFFFF"/>
-                </a:solidFill>
-              </a14:hiddenFill>
-            </a:ext>
-          </a:extLst>
         </p:spPr>
-      </p:pic>
+        <p:txBody>
+          <a:bodyPr wrap="none" rtlCol="0" anchor="ctr"/>
+          <a:lstStyle/>
+          <a:p>
+            <a:pPr algn="ctr"/>
+            <a:r>
+              <a:rPr lang="en-US" sz="2000" dirty="0" smtClean="0">
+                <a:latin typeface="Tekton Pro" pitchFamily="34" charset="0"/>
+              </a:rPr>
+              <a:t>Host</a:t>
+            </a:r>
+            <a:endParaRPr lang="en-US" sz="2000" dirty="0">
+              <a:latin typeface="Tekton Pro" pitchFamily="34" charset="0"/>
+            </a:endParaRPr>
+          </a:p>
+        </p:txBody>
+      </p:sp>
+      <p:sp>
+        <p:nvSpPr>
+          <p:cNvPr id="6" name="Rectangle 5"/>
+          <p:cNvSpPr/>
+          <p:nvPr/>
+        </p:nvSpPr>
+        <p:spPr bwMode="auto">
+          <a:xfrm>
+            <a:off x="1600200" y="4191000"/>
+            <a:ext cx="5943600" cy="533400"/>
+          </a:xfrm>
+          <a:prstGeom prst="rect">
+            <a:avLst/>
+          </a:prstGeom>
+          <a:solidFill>
+            <a:srgbClr val="FFFFCC"/>
+          </a:solidFill>
+          <a:ln w="9525" algn="ctr">
+            <a:solidFill>
+              <a:schemeClr val="tx1"/>
+            </a:solidFill>
+            <a:miter lim="800000"/>
+            <a:headEnd/>
+            <a:tailEnd/>
+          </a:ln>
+          <a:effectLst>
+            <a:outerShdw blurRad="50800" dist="38100" dir="2700000" algn="tl" rotWithShape="0">
+              <a:prstClr val="black">
+                <a:alpha val="40000"/>
+              </a:prstClr>
+            </a:outerShdw>
+          </a:effectLst>
+        </p:spPr>
+        <p:txBody>
+          <a:bodyPr wrap="none" rtlCol="0" anchor="ctr"/>
+          <a:lstStyle/>
+          <a:p>
+            <a:pPr algn="ctr"/>
+            <a:r>
+              <a:rPr lang="en-US" sz="2000" dirty="0" smtClean="0">
+                <a:latin typeface="Tekton Pro" pitchFamily="34" charset="0"/>
+              </a:rPr>
+              <a:t>Server</a:t>
+            </a:r>
+            <a:endParaRPr lang="en-US" sz="2000" dirty="0">
+              <a:latin typeface="Tekton Pro" pitchFamily="34" charset="0"/>
+            </a:endParaRPr>
+          </a:p>
+        </p:txBody>
+      </p:sp>
+      <p:sp>
+        <p:nvSpPr>
+          <p:cNvPr id="7" name="Rectangle 6"/>
+          <p:cNvSpPr/>
+          <p:nvPr/>
+        </p:nvSpPr>
+        <p:spPr bwMode="auto">
+          <a:xfrm>
+            <a:off x="1600200" y="1447800"/>
+            <a:ext cx="5943600" cy="2438400"/>
+          </a:xfrm>
+          <a:prstGeom prst="rect">
+            <a:avLst/>
+          </a:prstGeom>
+          <a:solidFill>
+            <a:srgbClr val="D3D3A9"/>
+          </a:solidFill>
+          <a:ln w="9525" algn="ctr">
+            <a:solidFill>
+              <a:schemeClr val="tx1"/>
+            </a:solidFill>
+            <a:miter lim="800000"/>
+            <a:headEnd/>
+            <a:tailEnd/>
+          </a:ln>
+          <a:effectLst>
+            <a:outerShdw blurRad="50800" dist="38100" dir="2700000" algn="tl" rotWithShape="0">
+              <a:prstClr val="black">
+                <a:alpha val="40000"/>
+              </a:prstClr>
+            </a:outerShdw>
+          </a:effectLst>
+        </p:spPr>
+        <p:txBody>
+          <a:bodyPr wrap="none" rtlCol="0" anchor="ctr"/>
+          <a:lstStyle/>
+          <a:p>
+            <a:pPr algn="ctr"/>
+            <a:endParaRPr lang="en-US" sz="2000" dirty="0">
+              <a:latin typeface="Tekton Pro" pitchFamily="34" charset="0"/>
+            </a:endParaRPr>
+          </a:p>
+        </p:txBody>
+      </p:sp>
+      <p:sp>
+        <p:nvSpPr>
+          <p:cNvPr id="8" name="Rectangle 7"/>
+          <p:cNvSpPr/>
+          <p:nvPr/>
+        </p:nvSpPr>
+        <p:spPr bwMode="auto">
+          <a:xfrm>
+            <a:off x="2438400" y="3124200"/>
+            <a:ext cx="4419600" cy="446202"/>
+          </a:xfrm>
+          <a:prstGeom prst="rect">
+            <a:avLst/>
+          </a:prstGeom>
+          <a:solidFill>
+            <a:srgbClr val="A4D289"/>
+          </a:solidFill>
+          <a:ln w="9525" algn="ctr">
+            <a:solidFill>
+              <a:schemeClr val="tx1"/>
+            </a:solidFill>
+            <a:miter lim="800000"/>
+            <a:headEnd/>
+            <a:tailEnd/>
+          </a:ln>
+          <a:effectLst>
+            <a:outerShdw blurRad="50800" dist="38100" dir="2700000" algn="tl" rotWithShape="0">
+              <a:prstClr val="black">
+                <a:alpha val="40000"/>
+              </a:prstClr>
+            </a:outerShdw>
+          </a:effectLst>
+        </p:spPr>
+        <p:txBody>
+          <a:bodyPr wrap="none" rtlCol="0" anchor="ctr"/>
+          <a:lstStyle/>
+          <a:p>
+            <a:pPr algn="ctr"/>
+            <a:r>
+              <a:rPr lang="en-US" sz="2000" dirty="0" smtClean="0">
+                <a:latin typeface="Tekton Pro" pitchFamily="34" charset="0"/>
+              </a:rPr>
+              <a:t>Middleware</a:t>
+            </a:r>
+            <a:endParaRPr lang="en-US" sz="2000" dirty="0">
+              <a:latin typeface="Tekton Pro" pitchFamily="34" charset="0"/>
+            </a:endParaRPr>
+          </a:p>
+        </p:txBody>
+      </p:sp>
+      <p:sp>
+        <p:nvSpPr>
+          <p:cNvPr id="9" name="Rectangle 8"/>
+          <p:cNvSpPr/>
+          <p:nvPr/>
+        </p:nvSpPr>
+        <p:spPr bwMode="auto">
+          <a:xfrm>
+            <a:off x="2438400" y="2434865"/>
+            <a:ext cx="4419600" cy="446202"/>
+          </a:xfrm>
+          <a:prstGeom prst="rect">
+            <a:avLst/>
+          </a:prstGeom>
+          <a:solidFill>
+            <a:srgbClr val="A4D289"/>
+          </a:solidFill>
+          <a:ln w="9525" algn="ctr">
+            <a:solidFill>
+              <a:schemeClr val="tx1"/>
+            </a:solidFill>
+            <a:miter lim="800000"/>
+            <a:headEnd/>
+            <a:tailEnd/>
+          </a:ln>
+          <a:effectLst>
+            <a:outerShdw blurRad="50800" dist="38100" dir="2700000" algn="tl" rotWithShape="0">
+              <a:prstClr val="black">
+                <a:alpha val="40000"/>
+              </a:prstClr>
+            </a:outerShdw>
+          </a:effectLst>
+        </p:spPr>
+        <p:txBody>
+          <a:bodyPr wrap="none" rtlCol="0" anchor="ctr"/>
+          <a:lstStyle/>
+          <a:p>
+            <a:pPr algn="ctr"/>
+            <a:r>
+              <a:rPr lang="en-US" sz="2000" dirty="0" smtClean="0">
+                <a:latin typeface="Tekton Pro" pitchFamily="34" charset="0"/>
+              </a:rPr>
+              <a:t>Middleware</a:t>
+            </a:r>
+            <a:endParaRPr lang="en-US" sz="2000" dirty="0">
+              <a:latin typeface="Tekton Pro" pitchFamily="34" charset="0"/>
+            </a:endParaRPr>
+          </a:p>
+        </p:txBody>
+      </p:sp>
+      <p:sp>
+        <p:nvSpPr>
+          <p:cNvPr id="10" name="Rectangle 9"/>
+          <p:cNvSpPr/>
+          <p:nvPr/>
+        </p:nvSpPr>
+        <p:spPr bwMode="auto">
+          <a:xfrm>
+            <a:off x="2438400" y="1763598"/>
+            <a:ext cx="4419600" cy="446202"/>
+          </a:xfrm>
+          <a:prstGeom prst="rect">
+            <a:avLst/>
+          </a:prstGeom>
+          <a:solidFill>
+            <a:srgbClr val="A4D289"/>
+          </a:solidFill>
+          <a:ln w="9525" algn="ctr">
+            <a:solidFill>
+              <a:schemeClr val="tx1"/>
+            </a:solidFill>
+            <a:miter lim="800000"/>
+            <a:headEnd/>
+            <a:tailEnd/>
+          </a:ln>
+          <a:effectLst>
+            <a:outerShdw blurRad="50800" dist="38100" dir="2700000" algn="tl" rotWithShape="0">
+              <a:prstClr val="black">
+                <a:alpha val="40000"/>
+              </a:prstClr>
+            </a:outerShdw>
+          </a:effectLst>
+        </p:spPr>
+        <p:txBody>
+          <a:bodyPr wrap="none" rtlCol="0" anchor="ctr"/>
+          <a:lstStyle/>
+          <a:p>
+            <a:pPr algn="ctr"/>
+            <a:r>
+              <a:rPr lang="en-US" sz="2000" dirty="0" smtClean="0">
+                <a:latin typeface="Tekton Pro" pitchFamily="34" charset="0"/>
+              </a:rPr>
+              <a:t>Middleware</a:t>
+            </a:r>
+            <a:endParaRPr lang="en-US" sz="2000" dirty="0">
+              <a:latin typeface="Tekton Pro" pitchFamily="34" charset="0"/>
+            </a:endParaRPr>
+          </a:p>
+        </p:txBody>
+      </p:sp>
+      <p:sp>
+        <p:nvSpPr>
+          <p:cNvPr id="11" name="Up Arrow 10"/>
+          <p:cNvSpPr/>
+          <p:nvPr/>
+        </p:nvSpPr>
+        <p:spPr bwMode="auto">
+          <a:xfrm>
+            <a:off x="2443113" y="1763598"/>
+            <a:ext cx="533400" cy="4332402"/>
+          </a:xfrm>
+          <a:prstGeom prst="upArrow">
+            <a:avLst/>
+          </a:prstGeom>
+          <a:solidFill>
+            <a:srgbClr val="5DB024"/>
+          </a:solidFill>
+          <a:ln w="9525" algn="ctr">
+            <a:solidFill>
+              <a:schemeClr val="tx1"/>
+            </a:solidFill>
+            <a:miter lim="800000"/>
+            <a:headEnd/>
+            <a:tailEnd/>
+          </a:ln>
+          <a:effectLst>
+            <a:outerShdw blurRad="50800" dist="38100" dir="2700000" algn="tl" rotWithShape="0">
+              <a:prstClr val="black">
+                <a:alpha val="40000"/>
+              </a:prstClr>
+            </a:outerShdw>
+          </a:effectLst>
+        </p:spPr>
+        <p:txBody>
+          <a:bodyPr wrap="none" rtlCol="0" anchor="ctr"/>
+          <a:lstStyle/>
+          <a:p>
+            <a:pPr algn="ctr"/>
+            <a:endParaRPr lang="en-US" sz="2000" dirty="0">
+              <a:latin typeface="Tekton Pro" pitchFamily="34" charset="0"/>
+            </a:endParaRPr>
+          </a:p>
+        </p:txBody>
+      </p:sp>
+      <p:sp>
+        <p:nvSpPr>
+          <p:cNvPr id="12" name="Up Arrow 11"/>
+          <p:cNvSpPr/>
+          <p:nvPr/>
+        </p:nvSpPr>
+        <p:spPr bwMode="auto">
+          <a:xfrm rot="10800000">
+            <a:off x="6287678" y="1763598"/>
+            <a:ext cx="533400" cy="4332402"/>
+          </a:xfrm>
+          <a:prstGeom prst="upArrow">
+            <a:avLst/>
+          </a:prstGeom>
+          <a:solidFill>
+            <a:srgbClr val="5DB024"/>
+          </a:solidFill>
+          <a:ln w="9525" algn="ctr">
+            <a:solidFill>
+              <a:schemeClr val="tx1"/>
+            </a:solidFill>
+            <a:miter lim="800000"/>
+            <a:headEnd/>
+            <a:tailEnd/>
+          </a:ln>
+          <a:effectLst>
+            <a:outerShdw blurRad="50800" dist="38100" dir="2700000" algn="tl" rotWithShape="0">
+              <a:prstClr val="black">
+                <a:alpha val="40000"/>
+              </a:prstClr>
+            </a:outerShdw>
+          </a:effectLst>
+        </p:spPr>
+        <p:txBody>
+          <a:bodyPr wrap="none" rtlCol="0" anchor="ctr"/>
+          <a:lstStyle/>
+          <a:p>
+            <a:pPr algn="ctr"/>
+            <a:endParaRPr lang="en-US" sz="2000" dirty="0">
+              <a:latin typeface="Tekton Pro" pitchFamily="34" charset="0"/>
+            </a:endParaRPr>
+          </a:p>
+        </p:txBody>
+      </p:sp>
+      <p:sp>
+        <p:nvSpPr>
+          <p:cNvPr id="15" name="Rectangle 14"/>
+          <p:cNvSpPr/>
+          <p:nvPr/>
+        </p:nvSpPr>
+        <p:spPr bwMode="auto">
+          <a:xfrm>
+            <a:off x="304800" y="2057400"/>
+            <a:ext cx="838200" cy="914400"/>
+          </a:xfrm>
+          <a:prstGeom prst="rect">
+            <a:avLst/>
+          </a:prstGeom>
+          <a:solidFill>
+            <a:srgbClr val="FF9121"/>
+          </a:solidFill>
+          <a:ln w="9525" algn="ctr">
+            <a:solidFill>
+              <a:schemeClr val="tx1"/>
+            </a:solidFill>
+            <a:miter lim="800000"/>
+            <a:headEnd/>
+            <a:tailEnd/>
+          </a:ln>
+          <a:effectLst>
+            <a:outerShdw blurRad="50800" dist="38100" dir="2700000" algn="tl" rotWithShape="0">
+              <a:prstClr val="black">
+                <a:alpha val="40000"/>
+              </a:prstClr>
+            </a:outerShdw>
+          </a:effectLst>
+        </p:spPr>
+        <p:txBody>
+          <a:bodyPr wrap="none" rtlCol="0" anchor="ctr"/>
+          <a:lstStyle/>
+          <a:p>
+            <a:pPr algn="ctr"/>
+            <a:r>
+              <a:rPr lang="en-US" sz="2000" dirty="0" smtClean="0">
+                <a:latin typeface="Tekton Pro" pitchFamily="34" charset="0"/>
+              </a:rPr>
+              <a:t>MVC</a:t>
+            </a:r>
+          </a:p>
+          <a:p>
+            <a:pPr algn="ctr"/>
+            <a:r>
+              <a:rPr lang="en-US" sz="2000" dirty="0" smtClean="0">
+                <a:latin typeface="Tekton Pro" pitchFamily="34" charset="0"/>
+              </a:rPr>
+              <a:t>Or …?</a:t>
+            </a:r>
+            <a:endParaRPr lang="en-US" sz="2000" dirty="0">
+              <a:latin typeface="Tekton Pro" pitchFamily="34" charset="0"/>
+            </a:endParaRPr>
+          </a:p>
+        </p:txBody>
+      </p:sp>
+      <p:cxnSp>
+        <p:nvCxnSpPr>
+          <p:cNvPr id="14" name="Straight Arrow Connector 13"/>
+          <p:cNvCxnSpPr/>
+          <p:nvPr/>
+        </p:nvCxnSpPr>
+        <p:spPr bwMode="auto">
+          <a:xfrm flipH="1" flipV="1">
+            <a:off x="1066800" y="2514600"/>
+            <a:ext cx="1371600" cy="143366"/>
+          </a:xfrm>
+          <a:prstGeom prst="straightConnector1">
+            <a:avLst/>
+          </a:prstGeom>
+          <a:gradFill rotWithShape="1">
+            <a:gsLst>
+              <a:gs pos="0">
+                <a:srgbClr val="A4D289"/>
+              </a:gs>
+              <a:gs pos="100000">
+                <a:schemeClr val="bg1"/>
+              </a:gs>
+            </a:gsLst>
+            <a:lin ang="5400000" scaled="1"/>
+          </a:gradFill>
+          <a:ln w="9525" cap="flat" cmpd="sng" algn="ctr">
+            <a:solidFill>
+              <a:schemeClr val="tx1"/>
+            </a:solidFill>
+            <a:prstDash val="solid"/>
+            <a:round/>
+            <a:headEnd type="none" w="med" len="med"/>
+            <a:tailEnd type="triangle"/>
+          </a:ln>
+          <a:effectLst/>
+        </p:spPr>
+      </p:cxnSp>
     </p:spTree>
     <p:extLst>
       <p:ext uri="{BB962C8B-B14F-4D97-AF65-F5344CB8AC3E}">

--- a/aspnet5/slides/02_Middleware.pptx
+++ b/aspnet5/slides/02_Middleware.pptx
@@ -5,31 +5,28 @@
     <p:sldMasterId id="2147483772" r:id="rId1"/>
   </p:sldMasterIdLst>
   <p:notesMasterIdLst>
-    <p:notesMasterId r:id="rId21"/>
+    <p:notesMasterId r:id="rId18"/>
   </p:notesMasterIdLst>
   <p:handoutMasterIdLst>
-    <p:handoutMasterId r:id="rId22"/>
+    <p:handoutMasterId r:id="rId19"/>
   </p:handoutMasterIdLst>
   <p:sldIdLst>
     <p:sldId id="327" r:id="rId2"/>
     <p:sldId id="330" r:id="rId3"/>
     <p:sldId id="328" r:id="rId4"/>
-    <p:sldId id="329" r:id="rId5"/>
-    <p:sldId id="332" r:id="rId6"/>
-    <p:sldId id="333" r:id="rId7"/>
-    <p:sldId id="343" r:id="rId8"/>
-    <p:sldId id="335" r:id="rId9"/>
-    <p:sldId id="334" r:id="rId10"/>
-    <p:sldId id="336" r:id="rId11"/>
-    <p:sldId id="337" r:id="rId12"/>
-    <p:sldId id="338" r:id="rId13"/>
-    <p:sldId id="339" r:id="rId14"/>
-    <p:sldId id="341" r:id="rId15"/>
-    <p:sldId id="340" r:id="rId16"/>
-    <p:sldId id="342" r:id="rId17"/>
-    <p:sldId id="344" r:id="rId18"/>
-    <p:sldId id="346" r:id="rId19"/>
-    <p:sldId id="345" r:id="rId20"/>
+    <p:sldId id="343" r:id="rId5"/>
+    <p:sldId id="335" r:id="rId6"/>
+    <p:sldId id="334" r:id="rId7"/>
+    <p:sldId id="336" r:id="rId8"/>
+    <p:sldId id="337" r:id="rId9"/>
+    <p:sldId id="338" r:id="rId10"/>
+    <p:sldId id="339" r:id="rId11"/>
+    <p:sldId id="341" r:id="rId12"/>
+    <p:sldId id="340" r:id="rId13"/>
+    <p:sldId id="342" r:id="rId14"/>
+    <p:sldId id="344" r:id="rId15"/>
+    <p:sldId id="346" r:id="rId16"/>
+    <p:sldId id="345" r:id="rId17"/>
   </p:sldIdLst>
   <p:sldSz cx="9144000" cy="6858000" type="screen4x3"/>
   <p:notesSz cx="7302500" cy="9588500"/>
@@ -166,9 +163,6 @@
             <p14:sldId id="327"/>
             <p14:sldId id="330"/>
             <p14:sldId id="328"/>
-            <p14:sldId id="329"/>
-            <p14:sldId id="332"/>
-            <p14:sldId id="333"/>
             <p14:sldId id="343"/>
             <p14:sldId id="335"/>
             <p14:sldId id="334"/>
@@ -309,7 +303,7 @@
               <a:pPr>
                 <a:defRPr/>
               </a:pPr>
-              <a:t>9/8/2015</a:t>
+              <a:t>4/30/2016</a:t>
             </a:fld>
             <a:endParaRPr lang="en-US"/>
           </a:p>
@@ -583,35 +577,35 @@
           <a:p>
             <a:pPr lvl="0"/>
             <a:r>
-              <a:rPr lang="en-US" noProof="0" smtClean="0"/>
+              <a:rPr lang="en-US" noProof="0"/>
               <a:t>Click to edit Master text styles</a:t>
             </a:r>
           </a:p>
           <a:p>
             <a:pPr lvl="1"/>
             <a:r>
-              <a:rPr lang="en-US" noProof="0" smtClean="0"/>
+              <a:rPr lang="en-US" noProof="0"/>
               <a:t>Second level</a:t>
             </a:r>
           </a:p>
           <a:p>
             <a:pPr lvl="2"/>
             <a:r>
-              <a:rPr lang="en-US" noProof="0" smtClean="0"/>
+              <a:rPr lang="en-US" noProof="0"/>
               <a:t>Third level</a:t>
             </a:r>
           </a:p>
           <a:p>
             <a:pPr lvl="3"/>
             <a:r>
-              <a:rPr lang="en-US" noProof="0" smtClean="0"/>
+              <a:rPr lang="en-US" noProof="0"/>
               <a:t>Fourth level</a:t>
             </a:r>
           </a:p>
           <a:p>
             <a:pPr lvl="4"/>
             <a:r>
-              <a:rPr lang="en-US" noProof="0" smtClean="0"/>
+              <a:rPr lang="en-US" noProof="0"/>
               <a:t>Fifth level</a:t>
             </a:r>
           </a:p>
@@ -892,7 +886,7 @@
               <a:pPr/>
               <a:t>1</a:t>
             </a:fld>
-            <a:endParaRPr lang="en-US" smtClean="0"/>
+            <a:endParaRPr lang="en-US"/>
           </a:p>
         </p:txBody>
       </p:sp>
@@ -933,7 +927,7 @@
           <a:lstStyle/>
           <a:p>
             <a:pPr eaLnBrk="1" hangingPunct="1"/>
-            <a:endParaRPr lang="en-US" smtClean="0"/>
+            <a:endParaRPr lang="en-US"/>
           </a:p>
         </p:txBody>
       </p:sp>
@@ -1021,7 +1015,7 @@
               <a:pPr>
                 <a:defRPr/>
               </a:pPr>
-              <a:t>18</a:t>
+              <a:t>15</a:t>
             </a:fld>
             <a:endParaRPr lang="en-US"/>
           </a:p>
@@ -1086,7 +1080,7 @@
           </a:lstStyle>
           <a:p>
             <a:r>
-              <a:rPr lang="en-US" smtClean="0"/>
+              <a:rPr lang="en-US"/>
               <a:t>Click to edit Master title style</a:t>
             </a:r>
             <a:endParaRPr lang="en-US" dirty="0"/>
@@ -1122,7 +1116,7 @@
           </a:lstStyle>
           <a:p>
             <a:r>
-              <a:rPr lang="en-US" smtClean="0"/>
+              <a:rPr lang="en-US"/>
               <a:t>Click to edit Master subtitle style</a:t>
             </a:r>
             <a:endParaRPr lang="en-US" dirty="0"/>
@@ -1219,10 +1213,9 @@
           <a:lstStyle/>
           <a:p>
             <a:r>
-              <a:rPr lang="en-US" smtClean="0"/>
+              <a:rPr lang="en-US"/>
               <a:t>Click to edit Master title style</a:t>
             </a:r>
-            <a:endParaRPr lang="en-US"/>
           </a:p>
         </p:txBody>
       </p:sp>
@@ -1263,7 +1256,7 @@
           <a:p>
             <a:pPr lvl="0"/>
             <a:r>
-              <a:rPr lang="en-US" smtClean="0"/>
+              <a:rPr lang="en-US"/>
               <a:t>Click to edit Master text styles</a:t>
             </a:r>
           </a:p>
@@ -1313,10 +1306,9 @@
           <a:lstStyle/>
           <a:p>
             <a:r>
-              <a:rPr lang="en-US" smtClean="0"/>
+              <a:rPr lang="en-US"/>
               <a:t>Click to edit Master title style</a:t>
             </a:r>
-            <a:endParaRPr lang="en-US"/>
           </a:p>
         </p:txBody>
       </p:sp>
@@ -1372,7 +1364,7 @@
           </a:lstStyle>
           <a:p>
             <a:r>
-              <a:rPr lang="en-US" smtClean="0"/>
+              <a:rPr lang="en-US"/>
               <a:t>Click to edit Master title style</a:t>
             </a:r>
             <a:endParaRPr lang="en-US" dirty="0"/>
@@ -1437,35 +1429,35 @@
           <a:p>
             <a:pPr lvl="0"/>
             <a:r>
-              <a:rPr lang="en-US" smtClean="0"/>
+              <a:rPr lang="en-US"/>
               <a:t>Click to edit Master text styles</a:t>
             </a:r>
           </a:p>
           <a:p>
             <a:pPr lvl="1"/>
             <a:r>
-              <a:rPr lang="en-US" smtClean="0"/>
+              <a:rPr lang="en-US"/>
               <a:t>Second level</a:t>
             </a:r>
           </a:p>
           <a:p>
             <a:pPr lvl="2"/>
             <a:r>
-              <a:rPr lang="en-US" smtClean="0"/>
+              <a:rPr lang="en-US"/>
               <a:t>Third level</a:t>
             </a:r>
           </a:p>
           <a:p>
             <a:pPr lvl="3"/>
             <a:r>
-              <a:rPr lang="en-US" smtClean="0"/>
+              <a:rPr lang="en-US"/>
               <a:t>Fourth level</a:t>
             </a:r>
           </a:p>
           <a:p>
             <a:pPr lvl="4"/>
             <a:r>
-              <a:rPr lang="en-US" smtClean="0"/>
+              <a:rPr lang="en-US"/>
               <a:t>Fifth level</a:t>
             </a:r>
             <a:endParaRPr lang="en-US" dirty="0"/>
@@ -1529,10 +1521,9 @@
           </a:lstStyle>
           <a:p>
             <a:r>
-              <a:rPr lang="en-US" dirty="0" smtClean="0"/>
+              <a:rPr lang="en-US" dirty="0"/>
               <a:t>References</a:t>
             </a:r>
-            <a:endParaRPr lang="en-US" dirty="0"/>
           </a:p>
         </p:txBody>
       </p:sp>
@@ -1594,35 +1585,35 @@
           <a:p>
             <a:pPr lvl="0"/>
             <a:r>
-              <a:rPr lang="en-US" smtClean="0"/>
+              <a:rPr lang="en-US"/>
               <a:t>Click to edit Master text styles</a:t>
             </a:r>
           </a:p>
           <a:p>
             <a:pPr lvl="1"/>
             <a:r>
-              <a:rPr lang="en-US" smtClean="0"/>
+              <a:rPr lang="en-US"/>
               <a:t>Second level</a:t>
             </a:r>
           </a:p>
           <a:p>
             <a:pPr lvl="2"/>
             <a:r>
-              <a:rPr lang="en-US" smtClean="0"/>
+              <a:rPr lang="en-US"/>
               <a:t>Third level</a:t>
             </a:r>
           </a:p>
           <a:p>
             <a:pPr lvl="3"/>
             <a:r>
-              <a:rPr lang="en-US" smtClean="0"/>
+              <a:rPr lang="en-US"/>
               <a:t>Fourth level</a:t>
             </a:r>
           </a:p>
           <a:p>
             <a:pPr lvl="4"/>
             <a:r>
-              <a:rPr lang="en-US" smtClean="0"/>
+              <a:rPr lang="en-US"/>
               <a:t>Fifth level</a:t>
             </a:r>
             <a:endParaRPr lang="en-US" dirty="0"/>
@@ -1678,10 +1669,9 @@
           <a:lstStyle/>
           <a:p>
             <a:r>
-              <a:rPr lang="en-US" smtClean="0"/>
+              <a:rPr lang="en-US"/>
               <a:t>Click to edit Master title style</a:t>
             </a:r>
-            <a:endParaRPr lang="en-US"/>
           </a:p>
         </p:txBody>
       </p:sp>
@@ -1722,7 +1712,7 @@
           <a:p>
             <a:pPr lvl="0"/>
             <a:r>
-              <a:rPr lang="en-US" smtClean="0"/>
+              <a:rPr lang="en-US"/>
               <a:t>Click to edit Master text styles</a:t>
             </a:r>
           </a:p>
@@ -1777,10 +1767,9 @@
           <a:lstStyle/>
           <a:p>
             <a:r>
-              <a:rPr lang="en-US" smtClean="0"/>
+              <a:rPr lang="en-US"/>
               <a:t>Click to edit Master title style</a:t>
             </a:r>
-            <a:endParaRPr lang="en-US"/>
           </a:p>
         </p:txBody>
       </p:sp>
@@ -1833,10 +1822,9 @@
           <a:lstStyle/>
           <a:p>
             <a:r>
-              <a:rPr lang="en-US" smtClean="0"/>
+              <a:rPr lang="en-US"/>
               <a:t>Click to edit Master title style</a:t>
             </a:r>
-            <a:endParaRPr lang="en-US"/>
           </a:p>
         </p:txBody>
       </p:sp>
@@ -1877,7 +1865,7 @@
           <a:p>
             <a:pPr lvl="0"/>
             <a:r>
-              <a:rPr lang="en-US" smtClean="0"/>
+              <a:rPr lang="en-US"/>
               <a:t>Click to edit Master text styles</a:t>
             </a:r>
           </a:p>
@@ -1932,10 +1920,9 @@
           <a:lstStyle/>
           <a:p>
             <a:r>
-              <a:rPr lang="en-US" smtClean="0"/>
+              <a:rPr lang="en-US"/>
               <a:t>Click to edit Master title style</a:t>
             </a:r>
-            <a:endParaRPr lang="en-US"/>
           </a:p>
         </p:txBody>
       </p:sp>
@@ -1988,10 +1975,9 @@
           <a:lstStyle/>
           <a:p>
             <a:r>
-              <a:rPr lang="en-US" smtClean="0"/>
+              <a:rPr lang="en-US"/>
               <a:t>Click to edit Master title style</a:t>
             </a:r>
-            <a:endParaRPr lang="en-US"/>
           </a:p>
         </p:txBody>
       </p:sp>
@@ -2032,7 +2018,7 @@
           <a:p>
             <a:pPr lvl="0"/>
             <a:r>
-              <a:rPr lang="en-US" smtClean="0"/>
+              <a:rPr lang="en-US"/>
               <a:t>Click to edit Master text styles</a:t>
             </a:r>
           </a:p>
@@ -2087,10 +2073,9 @@
           <a:lstStyle/>
           <a:p>
             <a:r>
-              <a:rPr lang="en-US" smtClean="0"/>
+              <a:rPr lang="en-US"/>
               <a:t>Click to edit Master title style</a:t>
             </a:r>
-            <a:endParaRPr lang="en-US"/>
           </a:p>
         </p:txBody>
       </p:sp>
@@ -2171,35 +2156,35 @@
           <a:p>
             <a:pPr lvl="0"/>
             <a:r>
-              <a:rPr lang="en-US" smtClean="0"/>
+              <a:rPr lang="en-US"/>
               <a:t>Click to edit Master text styles</a:t>
             </a:r>
           </a:p>
           <a:p>
             <a:pPr lvl="1"/>
             <a:r>
-              <a:rPr lang="en-US" smtClean="0"/>
+              <a:rPr lang="en-US"/>
               <a:t>Second level</a:t>
             </a:r>
           </a:p>
           <a:p>
             <a:pPr lvl="2"/>
             <a:r>
-              <a:rPr lang="en-US" smtClean="0"/>
+              <a:rPr lang="en-US"/>
               <a:t>Third level</a:t>
             </a:r>
           </a:p>
           <a:p>
             <a:pPr lvl="3"/>
             <a:r>
-              <a:rPr lang="en-US" smtClean="0"/>
+              <a:rPr lang="en-US"/>
               <a:t>Fourth level</a:t>
             </a:r>
           </a:p>
           <a:p>
             <a:pPr lvl="4"/>
             <a:r>
-              <a:rPr lang="en-US" smtClean="0"/>
+              <a:rPr lang="en-US"/>
               <a:t>Fifth level</a:t>
             </a:r>
           </a:p>
@@ -2241,7 +2226,7 @@
           <a:p>
             <a:pPr lvl="0"/>
             <a:r>
-              <a:rPr lang="en-US" smtClean="0"/>
+              <a:rPr lang="en-US"/>
               <a:t>Click to edit Master title style</a:t>
             </a:r>
           </a:p>
@@ -2357,13 +2342,6 @@
   <p:transition>
     <p:fade/>
   </p:transition>
-  <p:timing>
-    <p:tnLst>
-      <p:par>
-        <p:cTn id="1" dur="indefinite" restart="never" nodeType="tmRoot"/>
-      </p:par>
-    </p:tnLst>
-  </p:timing>
   <p:txStyles>
     <p:titleStyle>
       <a:lvl1pPr marL="342900" indent="-342900" algn="ctr" defTabSz="-13873163" rtl="0" eaLnBrk="1" fontAlgn="base" hangingPunct="1">
@@ -2875,7 +2853,7 @@
           <a:p>
             <a:pPr marL="0" indent="0" defTabSz="914400" eaLnBrk="1" hangingPunct="1"/>
             <a:r>
-              <a:rPr lang="en-US" dirty="0" smtClean="0"/>
+              <a:rPr lang="en-US" dirty="0"/>
               <a:t>Middleware</a:t>
             </a:r>
           </a:p>
@@ -2898,7 +2876,7 @@
           <a:p>
             <a:pPr defTabSz="914400" eaLnBrk="1" hangingPunct="1"/>
             <a:r>
-              <a:rPr lang="en-US" dirty="0" smtClean="0"/>
+              <a:rPr lang="en-US" dirty="0"/>
               <a:t>The HTTP Pipeline</a:t>
             </a:r>
           </a:p>
@@ -2912,13 +2890,6 @@
   <p:transition>
     <p:fade/>
   </p:transition>
-  <p:timing>
-    <p:tnLst>
-      <p:par>
-        <p:cTn id="1" dur="indefinite" restart="never" nodeType="tmRoot"/>
-      </p:par>
-    </p:tnLst>
-  </p:timing>
 </p:sld>
 </file>
 
@@ -2955,8 +2926,8 @@
           <a:lstStyle/>
           <a:p>
             <a:r>
-              <a:rPr lang="en-US" dirty="0" err="1" smtClean="0"/>
-              <a:t>IApplicationBuilder</a:t>
+              <a:rPr lang="en-US" dirty="0" err="1"/>
+              <a:t>app.UseMiddleware</a:t>
             </a:r>
             <a:endParaRPr lang="en-US" dirty="0"/>
           </a:p>
@@ -2978,376 +2949,15 @@
           <a:lstStyle/>
           <a:p>
             <a:r>
-              <a:rPr lang="en-US" dirty="0" smtClean="0"/>
-              <a:t>Use and run middleware</a:t>
-            </a:r>
-            <a:endParaRPr lang="en-US" dirty="0"/>
-          </a:p>
-        </p:txBody>
-      </p:sp>
-      <p:pic>
-        <p:nvPicPr>
-          <p:cNvPr id="4" name="Picture 3"/>
-          <p:cNvPicPr>
-            <a:picLocks noChangeAspect="1"/>
-          </p:cNvPicPr>
-          <p:nvPr/>
-        </p:nvPicPr>
-        <p:blipFill>
-          <a:blip r:embed="rId2"/>
-          <a:stretch>
-            <a:fillRect/>
-          </a:stretch>
-        </p:blipFill>
-        <p:spPr>
-          <a:xfrm>
-            <a:off x="1371600" y="2743200"/>
-            <a:ext cx="6638925" cy="2133600"/>
-          </a:xfrm>
-          <a:prstGeom prst="rect">
-            <a:avLst/>
-          </a:prstGeom>
-        </p:spPr>
-      </p:pic>
-    </p:spTree>
-    <p:extLst>
-      <p:ext uri="{BB962C8B-B14F-4D97-AF65-F5344CB8AC3E}">
-        <p14:creationId xmlns:p14="http://schemas.microsoft.com/office/powerpoint/2010/main" val="1281082088"/>
-      </p:ext>
-    </p:extLst>
-  </p:cSld>
-  <p:clrMapOvr>
-    <a:masterClrMapping/>
-  </p:clrMapOvr>
-  <p:transition>
-    <p:fade/>
-  </p:transition>
-  <p:timing>
-    <p:tnLst>
-      <p:par>
-        <p:cTn id="1" dur="indefinite" restart="never" nodeType="tmRoot"/>
-      </p:par>
-    </p:tnLst>
-  </p:timing>
-</p:sld>
-</file>
-
-<file path=ppt/slides/slide11.xml><?xml version="1.0" encoding="utf-8"?>
-<p:sld xmlns:a="http://schemas.openxmlformats.org/drawingml/2006/main" xmlns:r="http://schemas.openxmlformats.org/officeDocument/2006/relationships" xmlns:p="http://schemas.openxmlformats.org/presentationml/2006/main">
-  <p:cSld>
-    <p:spTree>
-      <p:nvGrpSpPr>
-        <p:cNvPr id="1" name=""/>
-        <p:cNvGrpSpPr/>
-        <p:nvPr/>
-      </p:nvGrpSpPr>
-      <p:grpSpPr>
-        <a:xfrm>
-          <a:off x="0" y="0"/>
-          <a:ext cx="0" cy="0"/>
-          <a:chOff x="0" y="0"/>
-          <a:chExt cx="0" cy="0"/>
-        </a:xfrm>
-      </p:grpSpPr>
-      <p:sp>
-        <p:nvSpPr>
-          <p:cNvPr id="2" name="Title 1"/>
-          <p:cNvSpPr>
-            <a:spLocks noGrp="1"/>
-          </p:cNvSpPr>
-          <p:nvPr>
-            <p:ph type="title"/>
-          </p:nvPr>
-        </p:nvSpPr>
-        <p:spPr/>
-        <p:txBody>
-          <a:bodyPr/>
-          <a:lstStyle/>
-          <a:p>
-            <a:r>
-              <a:rPr lang="en-US" dirty="0" err="1" smtClean="0"/>
-              <a:t>app.Run</a:t>
-            </a:r>
-            <a:endParaRPr lang="en-US" dirty="0"/>
-          </a:p>
-        </p:txBody>
-      </p:sp>
-      <p:sp>
-        <p:nvSpPr>
-          <p:cNvPr id="3" name="Text Placeholder 2"/>
-          <p:cNvSpPr>
-            <a:spLocks noGrp="1"/>
-          </p:cNvSpPr>
-          <p:nvPr>
-            <p:ph type="body" idx="1"/>
-          </p:nvPr>
-        </p:nvSpPr>
-        <p:spPr/>
-        <p:txBody>
-          <a:bodyPr/>
-          <a:lstStyle/>
-          <a:p>
-            <a:r>
-              <a:rPr lang="en-US" dirty="0" smtClean="0"/>
-              <a:t>Given an </a:t>
-            </a:r>
-            <a:r>
-              <a:rPr lang="en-US" dirty="0" err="1" smtClean="0"/>
-              <a:t>HttpContext</a:t>
-            </a:r>
-            <a:endParaRPr lang="en-US" dirty="0" smtClean="0"/>
-          </a:p>
-          <a:p>
-            <a:r>
-              <a:rPr lang="en-US" dirty="0" smtClean="0"/>
-              <a:t>No access to more middleware</a:t>
-            </a:r>
-            <a:endParaRPr lang="en-US" dirty="0"/>
-          </a:p>
-        </p:txBody>
-      </p:sp>
-      <p:pic>
-        <p:nvPicPr>
-          <p:cNvPr id="4" name="Picture 3"/>
-          <p:cNvPicPr>
-            <a:picLocks noChangeAspect="1"/>
-          </p:cNvPicPr>
-          <p:nvPr/>
-        </p:nvPicPr>
-        <p:blipFill>
-          <a:blip r:embed="rId2"/>
-          <a:stretch>
-            <a:fillRect/>
-          </a:stretch>
-        </p:blipFill>
-        <p:spPr>
-          <a:xfrm>
-            <a:off x="1371600" y="2743200"/>
-            <a:ext cx="6638925" cy="2133600"/>
-          </a:xfrm>
-          <a:prstGeom prst="rect">
-            <a:avLst/>
-          </a:prstGeom>
-        </p:spPr>
-      </p:pic>
-    </p:spTree>
-    <p:extLst>
-      <p:ext uri="{BB962C8B-B14F-4D97-AF65-F5344CB8AC3E}">
-        <p14:creationId xmlns:p14="http://schemas.microsoft.com/office/powerpoint/2010/main" val="3561248222"/>
-      </p:ext>
-    </p:extLst>
-  </p:cSld>
-  <p:clrMapOvr>
-    <a:masterClrMapping/>
-  </p:clrMapOvr>
-  <p:transition>
-    <p:fade/>
-  </p:transition>
-  <p:timing>
-    <p:tnLst>
-      <p:par>
-        <p:cTn id="1" dur="indefinite" restart="never" nodeType="tmRoot"/>
-      </p:par>
-    </p:tnLst>
-  </p:timing>
-</p:sld>
-</file>
-
-<file path=ppt/slides/slide12.xml><?xml version="1.0" encoding="utf-8"?>
-<p:sld xmlns:a="http://schemas.openxmlformats.org/drawingml/2006/main" xmlns:r="http://schemas.openxmlformats.org/officeDocument/2006/relationships" xmlns:p="http://schemas.openxmlformats.org/presentationml/2006/main">
-  <p:cSld>
-    <p:spTree>
-      <p:nvGrpSpPr>
-        <p:cNvPr id="1" name=""/>
-        <p:cNvGrpSpPr/>
-        <p:nvPr/>
-      </p:nvGrpSpPr>
-      <p:grpSpPr>
-        <a:xfrm>
-          <a:off x="0" y="0"/>
-          <a:ext cx="0" cy="0"/>
-          <a:chOff x="0" y="0"/>
-          <a:chExt cx="0" cy="0"/>
-        </a:xfrm>
-      </p:grpSpPr>
-      <p:sp>
-        <p:nvSpPr>
-          <p:cNvPr id="2" name="Title 1"/>
-          <p:cNvSpPr>
-            <a:spLocks noGrp="1"/>
-          </p:cNvSpPr>
-          <p:nvPr>
-            <p:ph type="title"/>
-          </p:nvPr>
-        </p:nvSpPr>
-        <p:spPr/>
-        <p:txBody>
-          <a:bodyPr/>
-          <a:lstStyle/>
-          <a:p>
-            <a:r>
-              <a:rPr lang="en-US" dirty="0" err="1"/>
-              <a:t>a</a:t>
-            </a:r>
-            <a:r>
-              <a:rPr lang="en-US" dirty="0" err="1" smtClean="0"/>
-              <a:t>pp.Use</a:t>
-            </a:r>
-            <a:endParaRPr lang="en-US" dirty="0"/>
-          </a:p>
-        </p:txBody>
-      </p:sp>
-      <p:sp>
-        <p:nvSpPr>
-          <p:cNvPr id="3" name="Text Placeholder 2"/>
-          <p:cNvSpPr>
-            <a:spLocks noGrp="1"/>
-          </p:cNvSpPr>
-          <p:nvPr>
-            <p:ph type="body" idx="1"/>
-          </p:nvPr>
-        </p:nvSpPr>
-        <p:spPr/>
-        <p:txBody>
-          <a:bodyPr/>
-          <a:lstStyle/>
-          <a:p>
-            <a:r>
-              <a:rPr lang="en-US" dirty="0" smtClean="0"/>
-              <a:t>Take a </a:t>
-            </a:r>
-            <a:r>
-              <a:rPr lang="en-US" dirty="0" err="1" smtClean="0"/>
-              <a:t>ReqeustDelegate</a:t>
-            </a:r>
-            <a:endParaRPr lang="en-US" dirty="0" smtClean="0"/>
-          </a:p>
-          <a:p>
-            <a:r>
-              <a:rPr lang="en-US" dirty="0" smtClean="0"/>
-              <a:t>Return a </a:t>
-            </a:r>
-            <a:r>
-              <a:rPr lang="en-US" dirty="0" err="1" smtClean="0"/>
-              <a:t>RequestDelegate</a:t>
-            </a:r>
-            <a:endParaRPr lang="en-US" dirty="0"/>
-          </a:p>
-        </p:txBody>
-      </p:sp>
-      <p:pic>
-        <p:nvPicPr>
-          <p:cNvPr id="4" name="Picture 3"/>
-          <p:cNvPicPr>
-            <a:picLocks noChangeAspect="1"/>
-          </p:cNvPicPr>
-          <p:nvPr/>
-        </p:nvPicPr>
-        <p:blipFill>
-          <a:blip r:embed="rId2"/>
-          <a:stretch>
-            <a:fillRect/>
-          </a:stretch>
-        </p:blipFill>
-        <p:spPr>
-          <a:xfrm>
-            <a:off x="1362075" y="3167062"/>
-            <a:ext cx="6419850" cy="523875"/>
-          </a:xfrm>
-          <a:prstGeom prst="rect">
-            <a:avLst/>
-          </a:prstGeom>
-        </p:spPr>
-      </p:pic>
-    </p:spTree>
-    <p:extLst>
-      <p:ext uri="{BB962C8B-B14F-4D97-AF65-F5344CB8AC3E}">
-        <p14:creationId xmlns:p14="http://schemas.microsoft.com/office/powerpoint/2010/main" val="1738809062"/>
-      </p:ext>
-    </p:extLst>
-  </p:cSld>
-  <p:clrMapOvr>
-    <a:masterClrMapping/>
-  </p:clrMapOvr>
-  <p:transition>
-    <p:fade/>
-  </p:transition>
-  <p:timing>
-    <p:tnLst>
-      <p:par>
-        <p:cTn id="1" dur="indefinite" restart="never" nodeType="tmRoot"/>
-      </p:par>
-    </p:tnLst>
-  </p:timing>
-</p:sld>
-</file>
-
-<file path=ppt/slides/slide13.xml><?xml version="1.0" encoding="utf-8"?>
-<p:sld xmlns:a="http://schemas.openxmlformats.org/drawingml/2006/main" xmlns:r="http://schemas.openxmlformats.org/officeDocument/2006/relationships" xmlns:p="http://schemas.openxmlformats.org/presentationml/2006/main">
-  <p:cSld>
-    <p:spTree>
-      <p:nvGrpSpPr>
-        <p:cNvPr id="1" name=""/>
-        <p:cNvGrpSpPr/>
-        <p:nvPr/>
-      </p:nvGrpSpPr>
-      <p:grpSpPr>
-        <a:xfrm>
-          <a:off x="0" y="0"/>
-          <a:ext cx="0" cy="0"/>
-          <a:chOff x="0" y="0"/>
-          <a:chExt cx="0" cy="0"/>
-        </a:xfrm>
-      </p:grpSpPr>
-      <p:sp>
-        <p:nvSpPr>
-          <p:cNvPr id="2" name="Title 1"/>
-          <p:cNvSpPr>
-            <a:spLocks noGrp="1"/>
-          </p:cNvSpPr>
-          <p:nvPr>
-            <p:ph type="title"/>
-          </p:nvPr>
-        </p:nvSpPr>
-        <p:spPr/>
-        <p:txBody>
-          <a:bodyPr/>
-          <a:lstStyle/>
-          <a:p>
-            <a:r>
-              <a:rPr lang="en-US" dirty="0" err="1" smtClean="0"/>
-              <a:t>app.UseMiddleware</a:t>
-            </a:r>
-            <a:endParaRPr lang="en-US" dirty="0"/>
-          </a:p>
-        </p:txBody>
-      </p:sp>
-      <p:sp>
-        <p:nvSpPr>
-          <p:cNvPr id="3" name="Text Placeholder 2"/>
-          <p:cNvSpPr>
-            <a:spLocks noGrp="1"/>
-          </p:cNvSpPr>
-          <p:nvPr>
-            <p:ph type="body" idx="1"/>
-          </p:nvPr>
-        </p:nvSpPr>
-        <p:spPr/>
-        <p:txBody>
-          <a:bodyPr/>
-          <a:lstStyle/>
-          <a:p>
-            <a:r>
-              <a:rPr lang="en-US" dirty="0" smtClean="0"/>
+              <a:rPr lang="en-US" dirty="0"/>
               <a:t>Encapsulate middleware in a class</a:t>
             </a:r>
           </a:p>
           <a:p>
             <a:r>
-              <a:rPr lang="en-US" dirty="0" smtClean="0"/>
+              <a:rPr lang="en-US" dirty="0"/>
               <a:t>Requires constructor and Invoke method</a:t>
             </a:r>
-            <a:endParaRPr lang="en-US" dirty="0"/>
           </a:p>
         </p:txBody>
       </p:sp>
@@ -3412,17 +3022,10 @@
   <p:transition>
     <p:fade/>
   </p:transition>
-  <p:timing>
-    <p:tnLst>
-      <p:par>
-        <p:cTn id="1" dur="indefinite" restart="never" nodeType="tmRoot"/>
-      </p:par>
-    </p:tnLst>
-  </p:timing>
 </p:sld>
 </file>
 
-<file path=ppt/slides/slide14.xml><?xml version="1.0" encoding="utf-8"?>
+<file path=ppt/slides/slide11.xml><?xml version="1.0" encoding="utf-8"?>
 <p:sld xmlns:a="http://schemas.openxmlformats.org/drawingml/2006/main" xmlns:r="http://schemas.openxmlformats.org/officeDocument/2006/relationships" xmlns:p="http://schemas.openxmlformats.org/presentationml/2006/main">
   <p:cSld>
     <p:spTree>
@@ -3455,10 +3058,9 @@
           <a:lstStyle/>
           <a:p>
             <a:r>
-              <a:rPr lang="en-US" dirty="0" smtClean="0"/>
+              <a:rPr lang="en-US" dirty="0"/>
               <a:t>Custom Middleware</a:t>
             </a:r>
-            <a:endParaRPr lang="en-US" dirty="0"/>
           </a:p>
         </p:txBody>
       </p:sp>
@@ -3478,10 +3080,9 @@
           <a:lstStyle/>
           <a:p>
             <a:r>
-              <a:rPr lang="en-US" dirty="0" smtClean="0"/>
+              <a:rPr lang="en-US" dirty="0"/>
               <a:t>Convention is to create custom options and Use methods. </a:t>
             </a:r>
-            <a:endParaRPr lang="en-US" dirty="0"/>
           </a:p>
         </p:txBody>
       </p:sp>
@@ -3522,17 +3123,10 @@
   <p:transition>
     <p:fade/>
   </p:transition>
-  <p:timing>
-    <p:tnLst>
-      <p:par>
-        <p:cTn id="1" dur="indefinite" restart="never" nodeType="tmRoot"/>
-      </p:par>
-    </p:tnLst>
-  </p:timing>
 </p:sld>
 </file>
 
-<file path=ppt/slides/slide15.xml><?xml version="1.0" encoding="utf-8"?>
+<file path=ppt/slides/slide12.xml><?xml version="1.0" encoding="utf-8"?>
 <p:sld xmlns:a="http://schemas.openxmlformats.org/drawingml/2006/main" xmlns:r="http://schemas.openxmlformats.org/officeDocument/2006/relationships" xmlns:p="http://schemas.openxmlformats.org/presentationml/2006/main">
   <p:cSld>
     <p:spTree>
@@ -3565,10 +3159,9 @@
           <a:lstStyle/>
           <a:p>
             <a:r>
-              <a:rPr lang="en-US" dirty="0" smtClean="0"/>
+              <a:rPr lang="en-US" dirty="0"/>
               <a:t>Middleware Pipelines</a:t>
             </a:r>
-            <a:endParaRPr lang="en-US" dirty="0"/>
           </a:p>
         </p:txBody>
       </p:sp>
@@ -3654,17 +3247,10 @@
   <p:transition>
     <p:fade/>
   </p:transition>
-  <p:timing>
-    <p:tnLst>
-      <p:par>
-        <p:cTn id="1" dur="indefinite" restart="never" nodeType="tmRoot"/>
-      </p:par>
-    </p:tnLst>
-  </p:timing>
 </p:sld>
 </file>
 
-<file path=ppt/slides/slide16.xml><?xml version="1.0" encoding="utf-8"?>
+<file path=ppt/slides/slide13.xml><?xml version="1.0" encoding="utf-8"?>
 <p:sld xmlns:a="http://schemas.openxmlformats.org/drawingml/2006/main" xmlns:r="http://schemas.openxmlformats.org/officeDocument/2006/relationships" xmlns:p="http://schemas.openxmlformats.org/presentationml/2006/main">
   <p:cSld>
     <p:spTree>
@@ -3697,10 +3283,9 @@
           <a:lstStyle/>
           <a:p>
             <a:r>
-              <a:rPr lang="en-US" dirty="0" smtClean="0"/>
+              <a:rPr lang="en-US" dirty="0"/>
               <a:t>Common Middleware</a:t>
             </a:r>
-            <a:endParaRPr lang="en-US" dirty="0"/>
           </a:p>
         </p:txBody>
       </p:sp>
@@ -3720,26 +3305,26 @@
           <a:lstStyle/>
           <a:p>
             <a:r>
-              <a:rPr lang="en-US" dirty="0" smtClean="0"/>
+              <a:rPr lang="en-US" dirty="0"/>
               <a:t>Static files</a:t>
             </a:r>
           </a:p>
           <a:p>
             <a:r>
-              <a:rPr lang="en-US" dirty="0" smtClean="0"/>
+              <a:rPr lang="en-US" dirty="0"/>
               <a:t>Diagnostics</a:t>
             </a:r>
           </a:p>
           <a:p>
             <a:r>
-              <a:rPr lang="en-US" dirty="0" err="1" smtClean="0"/>
+              <a:rPr lang="en-US" dirty="0" err="1"/>
               <a:t>BrowserLink</a:t>
             </a:r>
-            <a:endParaRPr lang="en-US" dirty="0" smtClean="0"/>
-          </a:p>
-          <a:p>
-            <a:r>
-              <a:rPr lang="en-US" dirty="0" err="1" smtClean="0"/>
+            <a:endParaRPr lang="en-US" dirty="0"/>
+          </a:p>
+          <a:p>
+            <a:r>
+              <a:rPr lang="en-US" dirty="0" err="1"/>
               <a:t>ErrorHandler</a:t>
             </a:r>
             <a:endParaRPr lang="en-US" dirty="0"/>
@@ -3783,17 +3368,10 @@
   <p:transition>
     <p:fade/>
   </p:transition>
-  <p:timing>
-    <p:tnLst>
-      <p:par>
-        <p:cTn id="1" dur="indefinite" restart="never" nodeType="tmRoot"/>
-      </p:par>
-    </p:tnLst>
-  </p:timing>
 </p:sld>
 </file>
 
-<file path=ppt/slides/slide17.xml><?xml version="1.0" encoding="utf-8"?>
+<file path=ppt/slides/slide14.xml><?xml version="1.0" encoding="utf-8"?>
 <p:sld xmlns:a="http://schemas.openxmlformats.org/drawingml/2006/main" xmlns:r="http://schemas.openxmlformats.org/officeDocument/2006/relationships" xmlns:p="http://schemas.openxmlformats.org/presentationml/2006/main">
   <p:cSld>
     <p:spTree>
@@ -3826,10 +3404,9 @@
           <a:lstStyle/>
           <a:p>
             <a:r>
-              <a:rPr lang="en-US" dirty="0" smtClean="0"/>
+              <a:rPr lang="en-US" dirty="0"/>
               <a:t>Other Middleware</a:t>
             </a:r>
-            <a:endParaRPr lang="en-US" dirty="0"/>
           </a:p>
         </p:txBody>
       </p:sp>
@@ -3849,36 +3426,36 @@
           <a:lstStyle/>
           <a:p>
             <a:r>
-              <a:rPr lang="en-US" dirty="0" smtClean="0"/>
+              <a:rPr lang="en-US" dirty="0"/>
               <a:t>ASP.NET MVC</a:t>
             </a:r>
           </a:p>
           <a:p>
             <a:r>
-              <a:rPr lang="en-US" dirty="0" smtClean="0"/>
+              <a:rPr lang="en-US" dirty="0"/>
               <a:t>Identity</a:t>
             </a:r>
           </a:p>
           <a:p>
             <a:r>
-              <a:rPr lang="en-US" dirty="0" smtClean="0"/>
+              <a:rPr lang="en-US" dirty="0"/>
               <a:t>Authentication providers</a:t>
             </a:r>
           </a:p>
           <a:p>
             <a:r>
-              <a:rPr lang="en-US" dirty="0" smtClean="0"/>
+              <a:rPr lang="en-US" dirty="0"/>
               <a:t>CORS</a:t>
             </a:r>
           </a:p>
           <a:p>
             <a:r>
-              <a:rPr lang="en-US" dirty="0" smtClean="0"/>
+              <a:rPr lang="en-US" dirty="0"/>
               <a:t>Session</a:t>
             </a:r>
           </a:p>
           <a:p>
-            <a:endParaRPr lang="en-US" dirty="0" smtClean="0"/>
+            <a:endParaRPr lang="en-US" dirty="0"/>
           </a:p>
           <a:p>
             <a:endParaRPr lang="en-US" dirty="0"/>
@@ -3922,17 +3499,10 @@
   <p:transition>
     <p:fade/>
   </p:transition>
-  <p:timing>
-    <p:tnLst>
-      <p:par>
-        <p:cTn id="1" dur="indefinite" restart="never" nodeType="tmRoot"/>
-      </p:par>
-    </p:tnLst>
-  </p:timing>
 </p:sld>
 </file>
 
-<file path=ppt/slides/slide18.xml><?xml version="1.0" encoding="utf-8"?>
+<file path=ppt/slides/slide15.xml><?xml version="1.0" encoding="utf-8"?>
 <p:sld xmlns:a="http://schemas.openxmlformats.org/drawingml/2006/main" xmlns:r="http://schemas.openxmlformats.org/officeDocument/2006/relationships" xmlns:p="http://schemas.openxmlformats.org/presentationml/2006/main">
   <p:cSld>
     <p:spTree>
@@ -3965,10 +3535,9 @@
           <a:lstStyle/>
           <a:p>
             <a:r>
-              <a:rPr lang="en-US" dirty="0" smtClean="0"/>
+              <a:rPr lang="en-US" dirty="0"/>
               <a:t>Tips</a:t>
             </a:r>
-            <a:endParaRPr lang="en-US" dirty="0"/>
           </a:p>
         </p:txBody>
       </p:sp>
@@ -3988,16 +3557,15 @@
           <a:lstStyle/>
           <a:p>
             <a:r>
-              <a:rPr lang="en-US" dirty="0" smtClean="0"/>
+              <a:rPr lang="en-US" dirty="0"/>
               <a:t>Order is important</a:t>
             </a:r>
           </a:p>
           <a:p>
             <a:r>
-              <a:rPr lang="en-US" dirty="0" smtClean="0"/>
+              <a:rPr lang="en-US" dirty="0"/>
               <a:t>Be careful modifying the response after call to next</a:t>
             </a:r>
-            <a:endParaRPr lang="en-US" dirty="0"/>
           </a:p>
         </p:txBody>
       </p:sp>
@@ -4038,17 +3606,10 @@
   <p:transition>
     <p:fade/>
   </p:transition>
-  <p:timing>
-    <p:tnLst>
-      <p:par>
-        <p:cTn id="1" dur="indefinite" restart="never" nodeType="tmRoot"/>
-      </p:par>
-    </p:tnLst>
-  </p:timing>
 </p:sld>
 </file>
 
-<file path=ppt/slides/slide19.xml><?xml version="1.0" encoding="utf-8"?>
+<file path=ppt/slides/slide16.xml><?xml version="1.0" encoding="utf-8"?>
 <p:sld xmlns:a="http://schemas.openxmlformats.org/drawingml/2006/main" xmlns:r="http://schemas.openxmlformats.org/officeDocument/2006/relationships" xmlns:p="http://schemas.openxmlformats.org/presentationml/2006/main">
   <p:cSld>
     <p:spTree>
@@ -4081,10 +3642,9 @@
           <a:lstStyle/>
           <a:p>
             <a:r>
-              <a:rPr lang="en-US" dirty="0" smtClean="0"/>
+              <a:rPr lang="en-US" dirty="0"/>
               <a:t>Summary</a:t>
             </a:r>
-            <a:endParaRPr lang="en-US" dirty="0"/>
           </a:p>
         </p:txBody>
       </p:sp>
@@ -4104,10 +3664,9 @@
           <a:lstStyle/>
           <a:p>
             <a:r>
-              <a:rPr lang="en-US" dirty="0" smtClean="0"/>
+              <a:rPr lang="en-US" dirty="0"/>
               <a:t>Middleware provides logic for HTTP processing</a:t>
             </a:r>
-            <a:endParaRPr lang="en-US" dirty="0"/>
           </a:p>
         </p:txBody>
       </p:sp>
@@ -4150,14 +3709,11 @@
           <a:p>
             <a:pPr algn="ctr"/>
             <a:r>
-              <a:rPr lang="en-US" sz="2000" dirty="0" smtClean="0">
+              <a:rPr lang="en-US" sz="2000" dirty="0">
                 <a:latin typeface="Tekton Pro" pitchFamily="34" charset="0"/>
               </a:rPr>
               <a:t>Host</a:t>
             </a:r>
-            <a:endParaRPr lang="en-US" sz="2000" dirty="0">
-              <a:latin typeface="Tekton Pro" pitchFamily="34" charset="0"/>
-            </a:endParaRPr>
           </a:p>
         </p:txBody>
       </p:sp>
@@ -4200,14 +3756,11 @@
           <a:p>
             <a:pPr algn="ctr"/>
             <a:r>
-              <a:rPr lang="en-US" sz="2000" dirty="0" smtClean="0">
+              <a:rPr lang="en-US" sz="2000" dirty="0">
                 <a:latin typeface="Tekton Pro" pitchFamily="34" charset="0"/>
               </a:rPr>
               <a:t>Server</a:t>
             </a:r>
-            <a:endParaRPr lang="en-US" sz="2000" dirty="0">
-              <a:latin typeface="Tekton Pro" pitchFamily="34" charset="0"/>
-            </a:endParaRPr>
           </a:p>
         </p:txBody>
       </p:sp>
@@ -4294,14 +3847,11 @@
           <a:p>
             <a:pPr algn="ctr"/>
             <a:r>
-              <a:rPr lang="en-US" sz="2000" dirty="0" smtClean="0">
+              <a:rPr lang="en-US" sz="2000" dirty="0">
                 <a:latin typeface="Tekton Pro" pitchFamily="34" charset="0"/>
               </a:rPr>
               <a:t>Middleware</a:t>
             </a:r>
-            <a:endParaRPr lang="en-US" sz="2000" dirty="0">
-              <a:latin typeface="Tekton Pro" pitchFamily="34" charset="0"/>
-            </a:endParaRPr>
           </a:p>
         </p:txBody>
       </p:sp>
@@ -4344,14 +3894,11 @@
           <a:p>
             <a:pPr algn="ctr"/>
             <a:r>
-              <a:rPr lang="en-US" sz="2000" dirty="0" smtClean="0">
+              <a:rPr lang="en-US" sz="2000" dirty="0">
                 <a:latin typeface="Tekton Pro" pitchFamily="34" charset="0"/>
               </a:rPr>
               <a:t>Middleware</a:t>
             </a:r>
-            <a:endParaRPr lang="en-US" sz="2000" dirty="0">
-              <a:latin typeface="Tekton Pro" pitchFamily="34" charset="0"/>
-            </a:endParaRPr>
           </a:p>
         </p:txBody>
       </p:sp>
@@ -4394,14 +3941,11 @@
           <a:p>
             <a:pPr algn="ctr"/>
             <a:r>
-              <a:rPr lang="en-US" sz="2000" dirty="0" smtClean="0">
+              <a:rPr lang="en-US" sz="2000" dirty="0">
                 <a:latin typeface="Tekton Pro" pitchFamily="34" charset="0"/>
               </a:rPr>
               <a:t>Middleware</a:t>
             </a:r>
-            <a:endParaRPr lang="en-US" sz="2000" dirty="0">
-              <a:latin typeface="Tekton Pro" pitchFamily="34" charset="0"/>
-            </a:endParaRPr>
           </a:p>
         </p:txBody>
       </p:sp>
@@ -4506,13 +4050,6 @@
   <p:transition>
     <p:fade/>
   </p:transition>
-  <p:timing>
-    <p:tnLst>
-      <p:par>
-        <p:cTn id="1" dur="indefinite" restart="never" nodeType="tmRoot"/>
-      </p:par>
-    </p:tnLst>
-  </p:timing>
 </p:sld>
 </file>
 
@@ -4549,10 +4086,9 @@
           <a:lstStyle/>
           <a:p>
             <a:r>
-              <a:rPr lang="en-US" dirty="0" smtClean="0"/>
+              <a:rPr lang="en-US" dirty="0"/>
               <a:t>Architecture</a:t>
             </a:r>
-            <a:endParaRPr lang="en-US" dirty="0"/>
           </a:p>
         </p:txBody>
       </p:sp>
@@ -4595,14 +4131,11 @@
           <a:p>
             <a:pPr algn="ctr"/>
             <a:r>
-              <a:rPr lang="en-US" sz="2000" dirty="0" smtClean="0">
+              <a:rPr lang="en-US" sz="2000" dirty="0">
                 <a:latin typeface="Tekton Pro" pitchFamily="34" charset="0"/>
               </a:rPr>
               <a:t>Web Framework</a:t>
             </a:r>
-            <a:endParaRPr lang="en-US" sz="2000" dirty="0">
-              <a:latin typeface="Tekton Pro" pitchFamily="34" charset="0"/>
-            </a:endParaRPr>
           </a:p>
         </p:txBody>
       </p:sp>
@@ -4645,14 +4178,11 @@
           <a:p>
             <a:pPr algn="ctr"/>
             <a:r>
-              <a:rPr lang="en-US" sz="2000" dirty="0" smtClean="0">
+              <a:rPr lang="en-US" sz="2000" dirty="0">
                 <a:latin typeface="Tekton Pro" pitchFamily="34" charset="0"/>
               </a:rPr>
               <a:t>Web Server</a:t>
             </a:r>
-            <a:endParaRPr lang="en-US" sz="2000" dirty="0">
-              <a:latin typeface="Tekton Pro" pitchFamily="34" charset="0"/>
-            </a:endParaRPr>
           </a:p>
         </p:txBody>
       </p:sp>
@@ -4713,13 +4243,6 @@
   <p:transition>
     <p:fade/>
   </p:transition>
-  <p:timing>
-    <p:tnLst>
-      <p:par>
-        <p:cTn id="1" dur="indefinite" restart="never" nodeType="tmRoot"/>
-      </p:par>
-    </p:tnLst>
-  </p:timing>
 </p:sld>
 </file>
 
@@ -4756,10 +4279,9 @@
           <a:lstStyle/>
           <a:p>
             <a:r>
-              <a:rPr lang="en-US" dirty="0" smtClean="0"/>
+              <a:rPr lang="en-US" dirty="0"/>
               <a:t>Processing HTTP Messages</a:t>
             </a:r>
-            <a:endParaRPr lang="en-US" dirty="0"/>
           </a:p>
         </p:txBody>
       </p:sp>
@@ -4836,13 +4358,6 @@
   <p:transition>
     <p:fade/>
   </p:transition>
-  <p:timing>
-    <p:tnLst>
-      <p:par>
-        <p:cTn id="1" dur="indefinite" restart="never" nodeType="tmRoot"/>
-      </p:par>
-    </p:tnLst>
-  </p:timing>
 </p:sld>
 </file>
 
@@ -4879,752 +4394,9 @@
           <a:lstStyle/>
           <a:p>
             <a:r>
-              <a:rPr lang="en-US" dirty="0" smtClean="0"/>
-              <a:t>OWIN</a:t>
-            </a:r>
-            <a:endParaRPr lang="en-US" dirty="0"/>
-          </a:p>
-        </p:txBody>
-      </p:sp>
-      <p:sp>
-        <p:nvSpPr>
-          <p:cNvPr id="3" name="Text Placeholder 2"/>
-          <p:cNvSpPr>
-            <a:spLocks noGrp="1"/>
-          </p:cNvSpPr>
-          <p:nvPr>
-            <p:ph type="body" idx="1"/>
-          </p:nvPr>
-        </p:nvSpPr>
-        <p:spPr/>
-        <p:txBody>
-          <a:bodyPr/>
-          <a:lstStyle/>
-          <a:p>
-            <a:endParaRPr lang="en-US"/>
-          </a:p>
-        </p:txBody>
-      </p:sp>
-      <p:pic>
-        <p:nvPicPr>
-          <p:cNvPr id="4" name="Picture 3"/>
-          <p:cNvPicPr>
-            <a:picLocks noChangeAspect="1"/>
-          </p:cNvPicPr>
-          <p:nvPr/>
-        </p:nvPicPr>
-        <p:blipFill>
-          <a:blip r:embed="rId2"/>
-          <a:stretch>
-            <a:fillRect/>
-          </a:stretch>
-        </p:blipFill>
-        <p:spPr>
-          <a:xfrm>
-            <a:off x="1143000" y="1205504"/>
-            <a:ext cx="6615112" cy="4980392"/>
-          </a:xfrm>
-          <a:prstGeom prst="rect">
-            <a:avLst/>
-          </a:prstGeom>
-        </p:spPr>
-      </p:pic>
-    </p:spTree>
-    <p:extLst>
-      <p:ext uri="{BB962C8B-B14F-4D97-AF65-F5344CB8AC3E}">
-        <p14:creationId xmlns:p14="http://schemas.microsoft.com/office/powerpoint/2010/main" val="1549454482"/>
-      </p:ext>
-    </p:extLst>
-  </p:cSld>
-  <p:clrMapOvr>
-    <a:masterClrMapping/>
-  </p:clrMapOvr>
-  <p:transition>
-    <p:fade/>
-  </p:transition>
-  <p:timing>
-    <p:tnLst>
-      <p:par>
-        <p:cTn id="1" dur="indefinite" restart="never" nodeType="tmRoot"/>
-      </p:par>
-    </p:tnLst>
-  </p:timing>
-</p:sld>
-</file>
-
-<file path=ppt/slides/slide5.xml><?xml version="1.0" encoding="utf-8"?>
-<p:sld xmlns:a="http://schemas.openxmlformats.org/drawingml/2006/main" xmlns:r="http://schemas.openxmlformats.org/officeDocument/2006/relationships" xmlns:p="http://schemas.openxmlformats.org/presentationml/2006/main">
-  <p:cSld>
-    <p:spTree>
-      <p:nvGrpSpPr>
-        <p:cNvPr id="1" name=""/>
-        <p:cNvGrpSpPr/>
-        <p:nvPr/>
-      </p:nvGrpSpPr>
-      <p:grpSpPr>
-        <a:xfrm>
-          <a:off x="0" y="0"/>
-          <a:ext cx="0" cy="0"/>
-          <a:chOff x="0" y="0"/>
-          <a:chExt cx="0" cy="0"/>
-        </a:xfrm>
-      </p:grpSpPr>
-      <p:sp>
-        <p:nvSpPr>
-          <p:cNvPr id="2" name="Title 1"/>
-          <p:cNvSpPr>
-            <a:spLocks noGrp="1"/>
-          </p:cNvSpPr>
-          <p:nvPr>
-            <p:ph type="title"/>
-          </p:nvPr>
-        </p:nvSpPr>
-        <p:spPr/>
-        <p:txBody>
-          <a:bodyPr/>
-          <a:lstStyle/>
-          <a:p>
-            <a:r>
               <a:rPr lang="en-US" dirty="0"/>
-              <a:t>T</a:t>
-            </a:r>
-            <a:r>
-              <a:rPr lang="en-US" dirty="0" smtClean="0"/>
-              <a:t>he </a:t>
-            </a:r>
-            <a:r>
-              <a:rPr lang="en-US" dirty="0" err="1" smtClean="0"/>
-              <a:t>AppFunc</a:t>
-            </a:r>
-            <a:r>
-              <a:rPr lang="en-US" dirty="0" smtClean="0"/>
-              <a:t> </a:t>
-            </a:r>
-            <a:endParaRPr lang="en-US" dirty="0"/>
-          </a:p>
-        </p:txBody>
-      </p:sp>
-      <p:pic>
-        <p:nvPicPr>
-          <p:cNvPr id="4" name="Picture 3"/>
-          <p:cNvPicPr>
-            <a:picLocks noChangeAspect="1"/>
-          </p:cNvPicPr>
-          <p:nvPr/>
-        </p:nvPicPr>
-        <p:blipFill>
-          <a:blip r:embed="rId2">
-            <a:extLst>
-              <a:ext uri="{BEBA8EAE-BF5A-486C-A8C5-ECC9F3942E4B}">
-                <a14:imgProps xmlns:a14="http://schemas.microsoft.com/office/drawing/2010/main">
-                  <a14:imgLayer r:embed="rId3">
-                    <a14:imgEffect>
-                      <a14:colorTemperature colorTemp="11200"/>
-                    </a14:imgEffect>
-                  </a14:imgLayer>
-                </a14:imgProps>
-              </a:ext>
-            </a:extLst>
-          </a:blip>
-          <a:stretch>
-            <a:fillRect/>
-          </a:stretch>
-        </p:blipFill>
-        <p:spPr>
-          <a:xfrm>
-            <a:off x="1209586" y="3886200"/>
-            <a:ext cx="6627426" cy="1891578"/>
-          </a:xfrm>
-          <a:prstGeom prst="rect">
-            <a:avLst/>
-          </a:prstGeom>
-          <a:ln>
-            <a:noFill/>
-          </a:ln>
-          <a:effectLst>
-            <a:outerShdw blurRad="292100" dist="139700" dir="2700000" algn="tl" rotWithShape="0">
-              <a:srgbClr val="333333">
-                <a:alpha val="65000"/>
-              </a:srgbClr>
-            </a:outerShdw>
-          </a:effectLst>
-        </p:spPr>
-      </p:pic>
-      <p:pic>
-        <p:nvPicPr>
-          <p:cNvPr id="5" name="Picture 4"/>
-          <p:cNvPicPr>
-            <a:picLocks noChangeAspect="1"/>
-          </p:cNvPicPr>
-          <p:nvPr/>
-        </p:nvPicPr>
-        <p:blipFill>
-          <a:blip r:embed="rId4">
-            <a:extLst>
-              <a:ext uri="{BEBA8EAE-BF5A-486C-A8C5-ECC9F3942E4B}">
-                <a14:imgProps xmlns:a14="http://schemas.microsoft.com/office/drawing/2010/main">
-                  <a14:imgLayer r:embed="rId5">
-                    <a14:imgEffect>
-                      <a14:colorTemperature colorTemp="11200"/>
-                    </a14:imgEffect>
-                  </a14:imgLayer>
-                </a14:imgProps>
-              </a:ext>
-            </a:extLst>
-          </a:blip>
-          <a:stretch>
-            <a:fillRect/>
-          </a:stretch>
-        </p:blipFill>
-        <p:spPr>
-          <a:xfrm>
-            <a:off x="1860676" y="1749903"/>
-            <a:ext cx="4538598" cy="310863"/>
-          </a:xfrm>
-          <a:prstGeom prst="rect">
-            <a:avLst/>
-          </a:prstGeom>
-          <a:ln>
-            <a:noFill/>
-          </a:ln>
-          <a:effectLst>
-            <a:outerShdw blurRad="292100" dist="139700" dir="2700000" algn="tl" rotWithShape="0">
-              <a:srgbClr val="333333">
-                <a:alpha val="65000"/>
-              </a:srgbClr>
-            </a:outerShdw>
-          </a:effectLst>
-        </p:spPr>
-      </p:pic>
-      <p:sp>
-        <p:nvSpPr>
-          <p:cNvPr id="6" name="Right Arrow 5"/>
-          <p:cNvSpPr/>
-          <p:nvPr/>
-        </p:nvSpPr>
-        <p:spPr bwMode="auto">
-          <a:xfrm rot="19272617">
-            <a:off x="979015" y="2383690"/>
-            <a:ext cx="2207659" cy="740229"/>
-          </a:xfrm>
-          <a:prstGeom prst="rightArrow">
-            <a:avLst/>
-          </a:prstGeom>
-          <a:gradFill rotWithShape="1">
-            <a:gsLst>
-              <a:gs pos="0">
-                <a:srgbClr val="A4D289"/>
-              </a:gs>
-              <a:gs pos="100000">
-                <a:schemeClr val="bg1"/>
-              </a:gs>
-            </a:gsLst>
-            <a:lin ang="5400000" scaled="1"/>
-          </a:gradFill>
-          <a:ln w="9525" algn="ctr">
-            <a:solidFill>
-              <a:schemeClr val="tx1"/>
-            </a:solidFill>
-            <a:miter lim="800000"/>
-            <a:headEnd/>
-            <a:tailEnd/>
-          </a:ln>
-          <a:effectLst>
-            <a:outerShdw blurRad="50800" dist="38100" dir="2700000" algn="tl" rotWithShape="0">
-              <a:prstClr val="black">
-                <a:alpha val="40000"/>
-              </a:prstClr>
-            </a:outerShdw>
-          </a:effectLst>
-        </p:spPr>
-        <p:txBody>
-          <a:bodyPr wrap="none" rtlCol="0" anchor="ctr"/>
-          <a:lstStyle/>
-          <a:p>
-            <a:pPr algn="ctr"/>
-            <a:r>
-              <a:rPr lang="en-US" sz="2000" dirty="0" smtClean="0">
-                <a:latin typeface="Tekton Pro" pitchFamily="34" charset="0"/>
-              </a:rPr>
-              <a:t>Context</a:t>
-            </a:r>
-            <a:endParaRPr lang="en-US" sz="2000" dirty="0">
-              <a:latin typeface="Tekton Pro" pitchFamily="34" charset="0"/>
-            </a:endParaRPr>
-          </a:p>
-        </p:txBody>
-      </p:sp>
-      <p:sp>
-        <p:nvSpPr>
-          <p:cNvPr id="9" name="Left Arrow 8"/>
-          <p:cNvSpPr/>
-          <p:nvPr/>
-        </p:nvSpPr>
-        <p:spPr bwMode="auto">
-          <a:xfrm rot="1943222">
-            <a:off x="5660091" y="2333501"/>
-            <a:ext cx="2278742" cy="740165"/>
-          </a:xfrm>
-          <a:prstGeom prst="leftArrow">
-            <a:avLst/>
-          </a:prstGeom>
-          <a:gradFill rotWithShape="1">
-            <a:gsLst>
-              <a:gs pos="0">
-                <a:srgbClr val="A4D289"/>
-              </a:gs>
-              <a:gs pos="100000">
-                <a:schemeClr val="bg1"/>
-              </a:gs>
-            </a:gsLst>
-            <a:lin ang="5400000" scaled="1"/>
-          </a:gradFill>
-          <a:ln w="9525" algn="ctr">
-            <a:solidFill>
-              <a:schemeClr val="tx1"/>
-            </a:solidFill>
-            <a:miter lim="800000"/>
-            <a:headEnd/>
-            <a:tailEnd/>
-          </a:ln>
-          <a:effectLst>
-            <a:outerShdw blurRad="50800" dist="38100" dir="2700000" algn="tl" rotWithShape="0">
-              <a:prstClr val="black">
-                <a:alpha val="40000"/>
-              </a:prstClr>
-            </a:outerShdw>
-          </a:effectLst>
-        </p:spPr>
-        <p:txBody>
-          <a:bodyPr wrap="none" rtlCol="0" anchor="ctr"/>
-          <a:lstStyle/>
-          <a:p>
-            <a:pPr algn="ctr"/>
-            <a:r>
-              <a:rPr lang="en-US" sz="2000" dirty="0" err="1" smtClean="0">
-                <a:latin typeface="Tekton Pro" pitchFamily="34" charset="0"/>
-              </a:rPr>
-              <a:t>Async</a:t>
-            </a:r>
-            <a:endParaRPr lang="en-US" sz="2000" dirty="0">
-              <a:latin typeface="Tekton Pro" pitchFamily="34" charset="0"/>
-            </a:endParaRPr>
-          </a:p>
-        </p:txBody>
-      </p:sp>
-    </p:spTree>
-    <p:extLst>
-      <p:ext uri="{BB962C8B-B14F-4D97-AF65-F5344CB8AC3E}">
-        <p14:creationId xmlns:p14="http://schemas.microsoft.com/office/powerpoint/2010/main" val="3665256985"/>
-      </p:ext>
-    </p:extLst>
-  </p:cSld>
-  <p:clrMapOvr>
-    <a:masterClrMapping/>
-  </p:clrMapOvr>
-  <p:transition>
-    <p:fade/>
-  </p:transition>
-  <p:timing>
-    <p:tnLst>
-      <p:par>
-        <p:cTn id="1" dur="indefinite" restart="never" nodeType="tmRoot">
-          <p:childTnLst>
-            <p:seq concurrent="1" nextAc="seek">
-              <p:cTn id="2" dur="indefinite" nodeType="mainSeq">
-                <p:childTnLst>
-                  <p:par>
-                    <p:cTn id="3" fill="hold">
-                      <p:stCondLst>
-                        <p:cond delay="indefinite"/>
-                      </p:stCondLst>
-                      <p:childTnLst>
-                        <p:par>
-                          <p:cTn id="4" fill="hold">
-                            <p:stCondLst>
-                              <p:cond delay="0"/>
-                            </p:stCondLst>
-                            <p:childTnLst>
-                              <p:par>
-                                <p:cTn id="5" presetID="10" presetClass="entr" presetSubtype="0" fill="hold" nodeType="clickEffect">
-                                  <p:stCondLst>
-                                    <p:cond delay="0"/>
-                                  </p:stCondLst>
-                                  <p:childTnLst>
-                                    <p:set>
-                                      <p:cBhvr>
-                                        <p:cTn id="6" dur="1" fill="hold">
-                                          <p:stCondLst>
-                                            <p:cond delay="0"/>
-                                          </p:stCondLst>
-                                        </p:cTn>
-                                        <p:tgtEl>
-                                          <p:spTgt spid="5"/>
-                                        </p:tgtEl>
-                                        <p:attrNameLst>
-                                          <p:attrName>style.visibility</p:attrName>
-                                        </p:attrNameLst>
-                                      </p:cBhvr>
-                                      <p:to>
-                                        <p:strVal val="visible"/>
-                                      </p:to>
-                                    </p:set>
-                                    <p:animEffect transition="in" filter="fade">
-                                      <p:cBhvr>
-                                        <p:cTn id="7" dur="500"/>
-                                        <p:tgtEl>
-                                          <p:spTgt spid="5"/>
-                                        </p:tgtEl>
-                                      </p:cBhvr>
-                                    </p:animEffect>
-                                  </p:childTnLst>
-                                </p:cTn>
-                              </p:par>
-                            </p:childTnLst>
-                          </p:cTn>
-                        </p:par>
-                      </p:childTnLst>
-                    </p:cTn>
-                  </p:par>
-                  <p:par>
-                    <p:cTn id="8" fill="hold">
-                      <p:stCondLst>
-                        <p:cond delay="indefinite"/>
-                      </p:stCondLst>
-                      <p:childTnLst>
-                        <p:par>
-                          <p:cTn id="9" fill="hold">
-                            <p:stCondLst>
-                              <p:cond delay="0"/>
-                            </p:stCondLst>
-                            <p:childTnLst>
-                              <p:par>
-                                <p:cTn id="10" presetID="10" presetClass="entr" presetSubtype="0" fill="hold" grpId="0" nodeType="clickEffect">
-                                  <p:stCondLst>
-                                    <p:cond delay="0"/>
-                                  </p:stCondLst>
-                                  <p:childTnLst>
-                                    <p:set>
-                                      <p:cBhvr>
-                                        <p:cTn id="11" dur="1" fill="hold">
-                                          <p:stCondLst>
-                                            <p:cond delay="0"/>
-                                          </p:stCondLst>
-                                        </p:cTn>
-                                        <p:tgtEl>
-                                          <p:spTgt spid="6"/>
-                                        </p:tgtEl>
-                                        <p:attrNameLst>
-                                          <p:attrName>style.visibility</p:attrName>
-                                        </p:attrNameLst>
-                                      </p:cBhvr>
-                                      <p:to>
-                                        <p:strVal val="visible"/>
-                                      </p:to>
-                                    </p:set>
-                                    <p:animEffect transition="in" filter="fade">
-                                      <p:cBhvr>
-                                        <p:cTn id="12" dur="500"/>
-                                        <p:tgtEl>
-                                          <p:spTgt spid="6"/>
-                                        </p:tgtEl>
-                                      </p:cBhvr>
-                                    </p:animEffect>
-                                  </p:childTnLst>
-                                </p:cTn>
-                              </p:par>
-                            </p:childTnLst>
-                          </p:cTn>
-                        </p:par>
-                      </p:childTnLst>
-                    </p:cTn>
-                  </p:par>
-                  <p:par>
-                    <p:cTn id="13" fill="hold">
-                      <p:stCondLst>
-                        <p:cond delay="indefinite"/>
-                      </p:stCondLst>
-                      <p:childTnLst>
-                        <p:par>
-                          <p:cTn id="14" fill="hold">
-                            <p:stCondLst>
-                              <p:cond delay="0"/>
-                            </p:stCondLst>
-                            <p:childTnLst>
-                              <p:par>
-                                <p:cTn id="15" presetID="10" presetClass="entr" presetSubtype="0" fill="hold" grpId="0" nodeType="clickEffect">
-                                  <p:stCondLst>
-                                    <p:cond delay="0"/>
-                                  </p:stCondLst>
-                                  <p:childTnLst>
-                                    <p:set>
-                                      <p:cBhvr>
-                                        <p:cTn id="16" dur="1" fill="hold">
-                                          <p:stCondLst>
-                                            <p:cond delay="0"/>
-                                          </p:stCondLst>
-                                        </p:cTn>
-                                        <p:tgtEl>
-                                          <p:spTgt spid="9"/>
-                                        </p:tgtEl>
-                                        <p:attrNameLst>
-                                          <p:attrName>style.visibility</p:attrName>
-                                        </p:attrNameLst>
-                                      </p:cBhvr>
-                                      <p:to>
-                                        <p:strVal val="visible"/>
-                                      </p:to>
-                                    </p:set>
-                                    <p:animEffect transition="in" filter="fade">
-                                      <p:cBhvr>
-                                        <p:cTn id="17" dur="500"/>
-                                        <p:tgtEl>
-                                          <p:spTgt spid="9"/>
-                                        </p:tgtEl>
-                                      </p:cBhvr>
-                                    </p:animEffect>
-                                  </p:childTnLst>
-                                </p:cTn>
-                              </p:par>
-                            </p:childTnLst>
-                          </p:cTn>
-                        </p:par>
-                      </p:childTnLst>
-                    </p:cTn>
-                  </p:par>
-                  <p:par>
-                    <p:cTn id="18" fill="hold">
-                      <p:stCondLst>
-                        <p:cond delay="indefinite"/>
-                      </p:stCondLst>
-                      <p:childTnLst>
-                        <p:par>
-                          <p:cTn id="19" fill="hold">
-                            <p:stCondLst>
-                              <p:cond delay="0"/>
-                            </p:stCondLst>
-                            <p:childTnLst>
-                              <p:par>
-                                <p:cTn id="20" presetID="10" presetClass="entr" presetSubtype="0" fill="hold" nodeType="clickEffect">
-                                  <p:stCondLst>
-                                    <p:cond delay="0"/>
-                                  </p:stCondLst>
-                                  <p:childTnLst>
-                                    <p:set>
-                                      <p:cBhvr>
-                                        <p:cTn id="21" dur="1" fill="hold">
-                                          <p:stCondLst>
-                                            <p:cond delay="0"/>
-                                          </p:stCondLst>
-                                        </p:cTn>
-                                        <p:tgtEl>
-                                          <p:spTgt spid="4"/>
-                                        </p:tgtEl>
-                                        <p:attrNameLst>
-                                          <p:attrName>style.visibility</p:attrName>
-                                        </p:attrNameLst>
-                                      </p:cBhvr>
-                                      <p:to>
-                                        <p:strVal val="visible"/>
-                                      </p:to>
-                                    </p:set>
-                                    <p:animEffect transition="in" filter="fade">
-                                      <p:cBhvr>
-                                        <p:cTn id="22" dur="500"/>
-                                        <p:tgtEl>
-                                          <p:spTgt spid="4"/>
-                                        </p:tgtEl>
-                                      </p:cBhvr>
-                                    </p:animEffect>
-                                  </p:childTnLst>
-                                </p:cTn>
-                              </p:par>
-                            </p:childTnLst>
-                          </p:cTn>
-                        </p:par>
-                      </p:childTnLst>
-                    </p:cTn>
-                  </p:par>
-                </p:childTnLst>
-              </p:cTn>
-              <p:prevCondLst>
-                <p:cond evt="onPrev" delay="0">
-                  <p:tgtEl>
-                    <p:sldTgt/>
-                  </p:tgtEl>
-                </p:cond>
-              </p:prevCondLst>
-              <p:nextCondLst>
-                <p:cond evt="onNext" delay="0">
-                  <p:tgtEl>
-                    <p:sldTgt/>
-                  </p:tgtEl>
-                </p:cond>
-              </p:nextCondLst>
-            </p:seq>
-          </p:childTnLst>
-        </p:cTn>
-      </p:par>
-    </p:tnLst>
-    <p:bldLst>
-      <p:bldP spid="6" grpId="0" animBg="1"/>
-      <p:bldP spid="9" grpId="0" animBg="1"/>
-    </p:bldLst>
-  </p:timing>
-</p:sld>
-</file>
-
-<file path=ppt/slides/slide6.xml><?xml version="1.0" encoding="utf-8"?>
-<p:sld xmlns:a="http://schemas.openxmlformats.org/drawingml/2006/main" xmlns:r="http://schemas.openxmlformats.org/officeDocument/2006/relationships" xmlns:p="http://schemas.openxmlformats.org/presentationml/2006/main">
-  <p:cSld>
-    <p:spTree>
-      <p:nvGrpSpPr>
-        <p:cNvPr id="1" name=""/>
-        <p:cNvGrpSpPr/>
-        <p:nvPr/>
-      </p:nvGrpSpPr>
-      <p:grpSpPr>
-        <a:xfrm>
-          <a:off x="0" y="0"/>
-          <a:ext cx="0" cy="0"/>
-          <a:chOff x="0" y="0"/>
-          <a:chExt cx="0" cy="0"/>
-        </a:xfrm>
-      </p:grpSpPr>
-      <p:sp>
-        <p:nvSpPr>
-          <p:cNvPr id="2" name="Title 1"/>
-          <p:cNvSpPr>
-            <a:spLocks noGrp="1"/>
-          </p:cNvSpPr>
-          <p:nvPr>
-            <p:ph type="title"/>
-          </p:nvPr>
-        </p:nvSpPr>
-        <p:spPr/>
-        <p:txBody>
-          <a:bodyPr/>
-          <a:lstStyle/>
-          <a:p>
-            <a:r>
-              <a:rPr lang="en-US" dirty="0" smtClean="0"/>
-              <a:t>OWIN and ASP.NET 5</a:t>
-            </a:r>
-            <a:endParaRPr lang="en-US" dirty="0"/>
-          </a:p>
-        </p:txBody>
-      </p:sp>
-      <p:sp>
-        <p:nvSpPr>
-          <p:cNvPr id="3" name="Text Placeholder 2"/>
-          <p:cNvSpPr>
-            <a:spLocks noGrp="1"/>
-          </p:cNvSpPr>
-          <p:nvPr>
-            <p:ph type="body" idx="1"/>
-          </p:nvPr>
-        </p:nvSpPr>
-        <p:spPr/>
-        <p:txBody>
-          <a:bodyPr/>
-          <a:lstStyle/>
-          <a:p>
-            <a:r>
-              <a:rPr lang="en-US" dirty="0" smtClean="0"/>
-              <a:t>OWIN Middleware supported by </a:t>
-            </a:r>
-            <a:r>
-              <a:rPr lang="en-US" dirty="0" err="1" smtClean="0"/>
-              <a:t>Microsoft.AspNet.Owin</a:t>
-            </a:r>
-            <a:endParaRPr lang="en-US" dirty="0"/>
-          </a:p>
-        </p:txBody>
-      </p:sp>
-      <p:pic>
-        <p:nvPicPr>
-          <p:cNvPr id="4" name="Picture 3"/>
-          <p:cNvPicPr>
-            <a:picLocks noChangeAspect="1"/>
-          </p:cNvPicPr>
-          <p:nvPr/>
-        </p:nvPicPr>
-        <p:blipFill>
-          <a:blip r:embed="rId2"/>
-          <a:stretch>
-            <a:fillRect/>
-          </a:stretch>
-        </p:blipFill>
-        <p:spPr>
-          <a:xfrm>
-            <a:off x="304800" y="2362200"/>
-            <a:ext cx="8277225" cy="3581400"/>
-          </a:xfrm>
-          <a:prstGeom prst="rect">
-            <a:avLst/>
-          </a:prstGeom>
-        </p:spPr>
-      </p:pic>
-    </p:spTree>
-    <p:extLst>
-      <p:ext uri="{BB962C8B-B14F-4D97-AF65-F5344CB8AC3E}">
-        <p14:creationId xmlns:p14="http://schemas.microsoft.com/office/powerpoint/2010/main" val="1255245935"/>
-      </p:ext>
-    </p:extLst>
-  </p:cSld>
-  <p:clrMapOvr>
-    <a:masterClrMapping/>
-  </p:clrMapOvr>
-  <p:transition>
-    <p:fade/>
-  </p:transition>
-  <p:timing>
-    <p:tnLst>
-      <p:par>
-        <p:cTn id="1" dur="indefinite" restart="never" nodeType="tmRoot"/>
-      </p:par>
-    </p:tnLst>
-  </p:timing>
-</p:sld>
-</file>
-
-<file path=ppt/slides/slide7.xml><?xml version="1.0" encoding="utf-8"?>
-<p:sld xmlns:a="http://schemas.openxmlformats.org/drawingml/2006/main" xmlns:r="http://schemas.openxmlformats.org/officeDocument/2006/relationships" xmlns:p="http://schemas.openxmlformats.org/presentationml/2006/main">
-  <p:cSld>
-    <p:spTree>
-      <p:nvGrpSpPr>
-        <p:cNvPr id="1" name=""/>
-        <p:cNvGrpSpPr/>
-        <p:nvPr/>
-      </p:nvGrpSpPr>
-      <p:grpSpPr>
-        <a:xfrm>
-          <a:off x="0" y="0"/>
-          <a:ext cx="0" cy="0"/>
-          <a:chOff x="0" y="0"/>
-          <a:chExt cx="0" cy="0"/>
-        </a:xfrm>
-      </p:grpSpPr>
-      <p:sp>
-        <p:nvSpPr>
-          <p:cNvPr id="2" name="Title 1"/>
-          <p:cNvSpPr>
-            <a:spLocks noGrp="1"/>
-          </p:cNvSpPr>
-          <p:nvPr>
-            <p:ph type="title"/>
-          </p:nvPr>
-        </p:nvSpPr>
-        <p:spPr/>
-        <p:txBody>
-          <a:bodyPr/>
-          <a:lstStyle/>
-          <a:p>
-            <a:r>
-              <a:rPr lang="en-US" dirty="0" smtClean="0"/>
               <a:t>Middleware</a:t>
             </a:r>
-            <a:endParaRPr lang="en-US" dirty="0"/>
           </a:p>
         </p:txBody>
       </p:sp>
@@ -5667,14 +4439,11 @@
           <a:p>
             <a:pPr algn="ctr"/>
             <a:r>
-              <a:rPr lang="en-US" sz="2000" dirty="0" smtClean="0">
+              <a:rPr lang="en-US" sz="2000" dirty="0">
                 <a:latin typeface="Tekton Pro" pitchFamily="34" charset="0"/>
               </a:rPr>
               <a:t>Host</a:t>
             </a:r>
-            <a:endParaRPr lang="en-US" sz="2000" dirty="0">
-              <a:latin typeface="Tekton Pro" pitchFamily="34" charset="0"/>
-            </a:endParaRPr>
           </a:p>
         </p:txBody>
       </p:sp>
@@ -5717,14 +4486,11 @@
           <a:p>
             <a:pPr algn="ctr"/>
             <a:r>
-              <a:rPr lang="en-US" sz="2000" dirty="0" smtClean="0">
+              <a:rPr lang="en-US" sz="2000" dirty="0">
                 <a:latin typeface="Tekton Pro" pitchFamily="34" charset="0"/>
               </a:rPr>
               <a:t>Server</a:t>
             </a:r>
-            <a:endParaRPr lang="en-US" sz="2000" dirty="0">
-              <a:latin typeface="Tekton Pro" pitchFamily="34" charset="0"/>
-            </a:endParaRPr>
           </a:p>
         </p:txBody>
       </p:sp>
@@ -5811,14 +4577,11 @@
           <a:p>
             <a:pPr algn="ctr"/>
             <a:r>
-              <a:rPr lang="en-US" sz="2000" dirty="0" smtClean="0">
+              <a:rPr lang="en-US" sz="2000" dirty="0">
                 <a:latin typeface="Tekton Pro" pitchFamily="34" charset="0"/>
               </a:rPr>
               <a:t>Middleware</a:t>
             </a:r>
-            <a:endParaRPr lang="en-US" sz="2000" dirty="0">
-              <a:latin typeface="Tekton Pro" pitchFamily="34" charset="0"/>
-            </a:endParaRPr>
           </a:p>
         </p:txBody>
       </p:sp>
@@ -5861,14 +4624,11 @@
           <a:p>
             <a:pPr algn="ctr"/>
             <a:r>
-              <a:rPr lang="en-US" sz="2000" dirty="0" smtClean="0">
+              <a:rPr lang="en-US" sz="2000" dirty="0">
                 <a:latin typeface="Tekton Pro" pitchFamily="34" charset="0"/>
               </a:rPr>
               <a:t>Middleware</a:t>
             </a:r>
-            <a:endParaRPr lang="en-US" sz="2000" dirty="0">
-              <a:latin typeface="Tekton Pro" pitchFamily="34" charset="0"/>
-            </a:endParaRPr>
           </a:p>
         </p:txBody>
       </p:sp>
@@ -5911,14 +4671,11 @@
           <a:p>
             <a:pPr algn="ctr"/>
             <a:r>
-              <a:rPr lang="en-US" sz="2000" dirty="0" smtClean="0">
+              <a:rPr lang="en-US" sz="2000" dirty="0">
                 <a:latin typeface="Tekton Pro" pitchFamily="34" charset="0"/>
               </a:rPr>
               <a:t>Middleware</a:t>
             </a:r>
-            <a:endParaRPr lang="en-US" sz="2000" dirty="0">
-              <a:latin typeface="Tekton Pro" pitchFamily="34" charset="0"/>
-            </a:endParaRPr>
           </a:p>
         </p:txBody>
       </p:sp>
@@ -6010,102 +4767,6 @@
           </a:p>
         </p:txBody>
       </p:sp>
-      <p:sp>
-        <p:nvSpPr>
-          <p:cNvPr id="15" name="Rectangle 14"/>
-          <p:cNvSpPr/>
-          <p:nvPr/>
-        </p:nvSpPr>
-        <p:spPr bwMode="auto">
-          <a:xfrm>
-            <a:off x="304800" y="2057400"/>
-            <a:ext cx="838200" cy="914400"/>
-          </a:xfrm>
-          <a:prstGeom prst="rect">
-            <a:avLst/>
-          </a:prstGeom>
-          <a:solidFill>
-            <a:srgbClr val="FF9121"/>
-          </a:solidFill>
-          <a:ln w="9525" algn="ctr">
-            <a:solidFill>
-              <a:schemeClr val="tx1"/>
-            </a:solidFill>
-            <a:miter lim="800000"/>
-            <a:headEnd/>
-            <a:tailEnd/>
-          </a:ln>
-          <a:effectLst>
-            <a:outerShdw blurRad="50800" dist="38100" dir="2700000" algn="tl" rotWithShape="0">
-              <a:prstClr val="black">
-                <a:alpha val="40000"/>
-              </a:prstClr>
-            </a:outerShdw>
-          </a:effectLst>
-        </p:spPr>
-        <p:txBody>
-          <a:bodyPr wrap="none" rtlCol="0" anchor="ctr"/>
-          <a:lstStyle/>
-          <a:p>
-            <a:pPr algn="ctr"/>
-            <a:r>
-              <a:rPr lang="en-US" sz="2000" dirty="0" smtClean="0">
-                <a:latin typeface="Tekton Pro" pitchFamily="34" charset="0"/>
-              </a:rPr>
-              <a:t>MVC</a:t>
-            </a:r>
-          </a:p>
-          <a:p>
-            <a:pPr algn="ctr"/>
-            <a:r>
-              <a:rPr lang="en-US" sz="2000" dirty="0" smtClean="0">
-                <a:latin typeface="Tekton Pro" pitchFamily="34" charset="0"/>
-              </a:rPr>
-              <a:t>Or …?</a:t>
-            </a:r>
-            <a:endParaRPr lang="en-US" sz="2000" dirty="0">
-              <a:latin typeface="Tekton Pro" pitchFamily="34" charset="0"/>
-            </a:endParaRPr>
-          </a:p>
-        </p:txBody>
-      </p:sp>
-      <p:cxnSp>
-        <p:nvCxnSpPr>
-          <p:cNvPr id="14" name="Straight Arrow Connector 13"/>
-          <p:cNvCxnSpPr/>
-          <p:nvPr/>
-        </p:nvCxnSpPr>
-        <p:spPr bwMode="auto">
-          <a:xfrm flipH="1" flipV="1">
-            <a:off x="1066800" y="2514600"/>
-            <a:ext cx="1371600" cy="143366"/>
-          </a:xfrm>
-          <a:prstGeom prst="straightConnector1">
-            <a:avLst/>
-          </a:prstGeom>
-          <a:gradFill rotWithShape="1">
-            <a:gsLst>
-              <a:gs pos="0">
-                <a:srgbClr val="A4D289"/>
-              </a:gs>
-              <a:gs pos="100000">
-                <a:schemeClr val="bg1"/>
-              </a:gs>
-            </a:gsLst>
-            <a:lin ang="5400000" scaled="1"/>
-          </a:gradFill>
-          <a:ln w="9525" cap="flat" cmpd="sng" algn="ctr">
-            <a:solidFill>
-              <a:schemeClr val="tx1"/>
-            </a:solidFill>
-            <a:prstDash val="solid"/>
-            <a:round/>
-            <a:headEnd type="none" w="med" len="med"/>
-            <a:tailEnd type="triangle"/>
-          </a:ln>
-          <a:effectLst/>
-        </p:spPr>
-      </p:cxnSp>
     </p:spTree>
     <p:extLst>
       <p:ext uri="{BB962C8B-B14F-4D97-AF65-F5344CB8AC3E}">
@@ -6119,17 +4780,10 @@
   <p:transition>
     <p:fade/>
   </p:transition>
-  <p:timing>
-    <p:tnLst>
-      <p:par>
-        <p:cTn id="1" dur="indefinite" restart="never" nodeType="tmRoot"/>
-      </p:par>
-    </p:tnLst>
-  </p:timing>
 </p:sld>
 </file>
 
-<file path=ppt/slides/slide8.xml><?xml version="1.0" encoding="utf-8"?>
+<file path=ppt/slides/slide5.xml><?xml version="1.0" encoding="utf-8"?>
 <p:sld xmlns:a="http://schemas.openxmlformats.org/drawingml/2006/main" xmlns:r="http://schemas.openxmlformats.org/officeDocument/2006/relationships" xmlns:p="http://schemas.openxmlformats.org/presentationml/2006/main">
   <p:cSld>
     <p:spTree>
@@ -6162,10 +4816,9 @@
           <a:lstStyle/>
           <a:p>
             <a:r>
-              <a:rPr lang="en-US" dirty="0" smtClean="0"/>
+              <a:rPr lang="en-US" dirty="0"/>
               <a:t>Startup Class</a:t>
             </a:r>
-            <a:endParaRPr lang="en-US" dirty="0"/>
           </a:p>
         </p:txBody>
       </p:sp>
@@ -6185,21 +4838,21 @@
           <a:lstStyle/>
           <a:p>
             <a:r>
-              <a:rPr lang="en-US" dirty="0" smtClean="0"/>
+              <a:rPr lang="en-US" dirty="0"/>
               <a:t>ASP.NET searches for Startup as an entry point</a:t>
             </a:r>
           </a:p>
           <a:p>
             <a:r>
-              <a:rPr lang="en-US" dirty="0" smtClean="0"/>
+              <a:rPr lang="en-US" dirty="0"/>
               <a:t>Defines configuration, </a:t>
             </a:r>
             <a:r>
-              <a:rPr lang="en-US" i="1" dirty="0" smtClean="0"/>
+              <a:rPr lang="en-US" i="1" dirty="0"/>
               <a:t>middleware</a:t>
             </a:r>
             <a:r>
-              <a:rPr lang="en-US" dirty="0" smtClean="0"/>
+              <a:rPr lang="en-US" dirty="0"/>
               <a:t>,  services</a:t>
             </a:r>
           </a:p>
@@ -6242,17 +4895,10 @@
   <p:transition>
     <p:fade/>
   </p:transition>
-  <p:timing>
-    <p:tnLst>
-      <p:par>
-        <p:cTn id="1" dur="indefinite" restart="never" nodeType="tmRoot"/>
-      </p:par>
-    </p:tnLst>
-  </p:timing>
 </p:sld>
 </file>
 
-<file path=ppt/slides/slide9.xml><?xml version="1.0" encoding="utf-8"?>
+<file path=ppt/slides/slide6.xml><?xml version="1.0" encoding="utf-8"?>
 <p:sld xmlns:a="http://schemas.openxmlformats.org/drawingml/2006/main" xmlns:r="http://schemas.openxmlformats.org/officeDocument/2006/relationships" xmlns:p="http://schemas.openxmlformats.org/presentationml/2006/main">
   <p:cSld>
     <p:spTree>
@@ -6285,10 +4931,9 @@
           <a:lstStyle/>
           <a:p>
             <a:r>
-              <a:rPr lang="en-US" dirty="0" smtClean="0"/>
+              <a:rPr lang="en-US" dirty="0"/>
               <a:t>Configure</a:t>
             </a:r>
-            <a:endParaRPr lang="en-US" dirty="0"/>
           </a:p>
         </p:txBody>
       </p:sp>
@@ -6308,34 +4953,34 @@
           <a:lstStyle/>
           <a:p>
             <a:r>
-              <a:rPr lang="en-US" dirty="0" smtClean="0"/>
+              <a:rPr lang="en-US" dirty="0"/>
               <a:t>Injected to Configure method of Startup</a:t>
             </a:r>
           </a:p>
           <a:p>
             <a:r>
-              <a:rPr lang="en-US" dirty="0" smtClean="0"/>
+              <a:rPr lang="en-US" dirty="0"/>
               <a:t>Defines how to process HTTP requests</a:t>
             </a:r>
           </a:p>
           <a:p>
             <a:r>
-              <a:rPr lang="en-US" dirty="0" smtClean="0"/>
+              <a:rPr lang="en-US" dirty="0"/>
               <a:t>Optional parameters</a:t>
             </a:r>
           </a:p>
           <a:p>
             <a:pPr lvl="2"/>
             <a:r>
-              <a:rPr lang="en-US" dirty="0" err="1" smtClean="0"/>
+              <a:rPr lang="en-US" dirty="0" err="1"/>
               <a:t>IHostingEnvironment</a:t>
             </a:r>
-            <a:endParaRPr lang="en-US" dirty="0" smtClean="0"/>
+            <a:endParaRPr lang="en-US" dirty="0"/>
           </a:p>
           <a:p>
             <a:pPr lvl="2"/>
             <a:r>
-              <a:rPr lang="en-US" dirty="0" err="1" smtClean="0"/>
+              <a:rPr lang="en-US" dirty="0" err="1"/>
               <a:t>ILoggerFactory</a:t>
             </a:r>
             <a:endParaRPr lang="en-US" dirty="0"/>
@@ -6379,13 +5024,339 @@
   <p:transition>
     <p:fade/>
   </p:transition>
-  <p:timing>
-    <p:tnLst>
-      <p:par>
-        <p:cTn id="1" dur="indefinite" restart="never" nodeType="tmRoot"/>
-      </p:par>
-    </p:tnLst>
-  </p:timing>
+</p:sld>
+</file>
+
+<file path=ppt/slides/slide7.xml><?xml version="1.0" encoding="utf-8"?>
+<p:sld xmlns:a="http://schemas.openxmlformats.org/drawingml/2006/main" xmlns:r="http://schemas.openxmlformats.org/officeDocument/2006/relationships" xmlns:p="http://schemas.openxmlformats.org/presentationml/2006/main">
+  <p:cSld>
+    <p:spTree>
+      <p:nvGrpSpPr>
+        <p:cNvPr id="1" name=""/>
+        <p:cNvGrpSpPr/>
+        <p:nvPr/>
+      </p:nvGrpSpPr>
+      <p:grpSpPr>
+        <a:xfrm>
+          <a:off x="0" y="0"/>
+          <a:ext cx="0" cy="0"/>
+          <a:chOff x="0" y="0"/>
+          <a:chExt cx="0" cy="0"/>
+        </a:xfrm>
+      </p:grpSpPr>
+      <p:sp>
+        <p:nvSpPr>
+          <p:cNvPr id="2" name="Title 1"/>
+          <p:cNvSpPr>
+            <a:spLocks noGrp="1"/>
+          </p:cNvSpPr>
+          <p:nvPr>
+            <p:ph type="title"/>
+          </p:nvPr>
+        </p:nvSpPr>
+        <p:spPr/>
+        <p:txBody>
+          <a:bodyPr/>
+          <a:lstStyle/>
+          <a:p>
+            <a:r>
+              <a:rPr lang="en-US" dirty="0" err="1"/>
+              <a:t>IApplicationBuilder</a:t>
+            </a:r>
+            <a:endParaRPr lang="en-US" dirty="0"/>
+          </a:p>
+        </p:txBody>
+      </p:sp>
+      <p:sp>
+        <p:nvSpPr>
+          <p:cNvPr id="3" name="Text Placeholder 2"/>
+          <p:cNvSpPr>
+            <a:spLocks noGrp="1"/>
+          </p:cNvSpPr>
+          <p:nvPr>
+            <p:ph type="body" idx="1"/>
+          </p:nvPr>
+        </p:nvSpPr>
+        <p:spPr/>
+        <p:txBody>
+          <a:bodyPr/>
+          <a:lstStyle/>
+          <a:p>
+            <a:r>
+              <a:rPr lang="en-US" dirty="0"/>
+              <a:t>Use and run middleware</a:t>
+            </a:r>
+          </a:p>
+        </p:txBody>
+      </p:sp>
+      <p:pic>
+        <p:nvPicPr>
+          <p:cNvPr id="4" name="Picture 3"/>
+          <p:cNvPicPr>
+            <a:picLocks noChangeAspect="1"/>
+          </p:cNvPicPr>
+          <p:nvPr/>
+        </p:nvPicPr>
+        <p:blipFill>
+          <a:blip r:embed="rId2"/>
+          <a:stretch>
+            <a:fillRect/>
+          </a:stretch>
+        </p:blipFill>
+        <p:spPr>
+          <a:xfrm>
+            <a:off x="1371600" y="2743200"/>
+            <a:ext cx="6638925" cy="2133600"/>
+          </a:xfrm>
+          <a:prstGeom prst="rect">
+            <a:avLst/>
+          </a:prstGeom>
+        </p:spPr>
+      </p:pic>
+    </p:spTree>
+    <p:extLst>
+      <p:ext uri="{BB962C8B-B14F-4D97-AF65-F5344CB8AC3E}">
+        <p14:creationId xmlns:p14="http://schemas.microsoft.com/office/powerpoint/2010/main" val="1281082088"/>
+      </p:ext>
+    </p:extLst>
+  </p:cSld>
+  <p:clrMapOvr>
+    <a:masterClrMapping/>
+  </p:clrMapOvr>
+  <p:transition>
+    <p:fade/>
+  </p:transition>
+</p:sld>
+</file>
+
+<file path=ppt/slides/slide8.xml><?xml version="1.0" encoding="utf-8"?>
+<p:sld xmlns:a="http://schemas.openxmlformats.org/drawingml/2006/main" xmlns:r="http://schemas.openxmlformats.org/officeDocument/2006/relationships" xmlns:p="http://schemas.openxmlformats.org/presentationml/2006/main">
+  <p:cSld>
+    <p:spTree>
+      <p:nvGrpSpPr>
+        <p:cNvPr id="1" name=""/>
+        <p:cNvGrpSpPr/>
+        <p:nvPr/>
+      </p:nvGrpSpPr>
+      <p:grpSpPr>
+        <a:xfrm>
+          <a:off x="0" y="0"/>
+          <a:ext cx="0" cy="0"/>
+          <a:chOff x="0" y="0"/>
+          <a:chExt cx="0" cy="0"/>
+        </a:xfrm>
+      </p:grpSpPr>
+      <p:sp>
+        <p:nvSpPr>
+          <p:cNvPr id="2" name="Title 1"/>
+          <p:cNvSpPr>
+            <a:spLocks noGrp="1"/>
+          </p:cNvSpPr>
+          <p:nvPr>
+            <p:ph type="title"/>
+          </p:nvPr>
+        </p:nvSpPr>
+        <p:spPr/>
+        <p:txBody>
+          <a:bodyPr/>
+          <a:lstStyle/>
+          <a:p>
+            <a:r>
+              <a:rPr lang="en-US" dirty="0" err="1"/>
+              <a:t>app.Run</a:t>
+            </a:r>
+            <a:endParaRPr lang="en-US" dirty="0"/>
+          </a:p>
+        </p:txBody>
+      </p:sp>
+      <p:sp>
+        <p:nvSpPr>
+          <p:cNvPr id="3" name="Text Placeholder 2"/>
+          <p:cNvSpPr>
+            <a:spLocks noGrp="1"/>
+          </p:cNvSpPr>
+          <p:nvPr>
+            <p:ph type="body" idx="1"/>
+          </p:nvPr>
+        </p:nvSpPr>
+        <p:spPr/>
+        <p:txBody>
+          <a:bodyPr/>
+          <a:lstStyle/>
+          <a:p>
+            <a:r>
+              <a:rPr lang="en-US" dirty="0"/>
+              <a:t>Given an </a:t>
+            </a:r>
+            <a:r>
+              <a:rPr lang="en-US" dirty="0" err="1"/>
+              <a:t>HttpContext</a:t>
+            </a:r>
+            <a:endParaRPr lang="en-US" dirty="0"/>
+          </a:p>
+          <a:p>
+            <a:r>
+              <a:rPr lang="en-US" dirty="0"/>
+              <a:t>No access to more middleware</a:t>
+            </a:r>
+          </a:p>
+        </p:txBody>
+      </p:sp>
+      <p:pic>
+        <p:nvPicPr>
+          <p:cNvPr id="4" name="Picture 3"/>
+          <p:cNvPicPr>
+            <a:picLocks noChangeAspect="1"/>
+          </p:cNvPicPr>
+          <p:nvPr/>
+        </p:nvPicPr>
+        <p:blipFill>
+          <a:blip r:embed="rId2"/>
+          <a:stretch>
+            <a:fillRect/>
+          </a:stretch>
+        </p:blipFill>
+        <p:spPr>
+          <a:xfrm>
+            <a:off x="1371600" y="2743200"/>
+            <a:ext cx="6638925" cy="2133600"/>
+          </a:xfrm>
+          <a:prstGeom prst="rect">
+            <a:avLst/>
+          </a:prstGeom>
+        </p:spPr>
+      </p:pic>
+    </p:spTree>
+    <p:extLst>
+      <p:ext uri="{BB962C8B-B14F-4D97-AF65-F5344CB8AC3E}">
+        <p14:creationId xmlns:p14="http://schemas.microsoft.com/office/powerpoint/2010/main" val="3561248222"/>
+      </p:ext>
+    </p:extLst>
+  </p:cSld>
+  <p:clrMapOvr>
+    <a:masterClrMapping/>
+  </p:clrMapOvr>
+  <p:transition>
+    <p:fade/>
+  </p:transition>
+</p:sld>
+</file>
+
+<file path=ppt/slides/slide9.xml><?xml version="1.0" encoding="utf-8"?>
+<p:sld xmlns:a="http://schemas.openxmlformats.org/drawingml/2006/main" xmlns:r="http://schemas.openxmlformats.org/officeDocument/2006/relationships" xmlns:p="http://schemas.openxmlformats.org/presentationml/2006/main">
+  <p:cSld>
+    <p:spTree>
+      <p:nvGrpSpPr>
+        <p:cNvPr id="1" name=""/>
+        <p:cNvGrpSpPr/>
+        <p:nvPr/>
+      </p:nvGrpSpPr>
+      <p:grpSpPr>
+        <a:xfrm>
+          <a:off x="0" y="0"/>
+          <a:ext cx="0" cy="0"/>
+          <a:chOff x="0" y="0"/>
+          <a:chExt cx="0" cy="0"/>
+        </a:xfrm>
+      </p:grpSpPr>
+      <p:sp>
+        <p:nvSpPr>
+          <p:cNvPr id="2" name="Title 1"/>
+          <p:cNvSpPr>
+            <a:spLocks noGrp="1"/>
+          </p:cNvSpPr>
+          <p:nvPr>
+            <p:ph type="title"/>
+          </p:nvPr>
+        </p:nvSpPr>
+        <p:spPr/>
+        <p:txBody>
+          <a:bodyPr/>
+          <a:lstStyle/>
+          <a:p>
+            <a:r>
+              <a:rPr lang="en-US" dirty="0" err="1"/>
+              <a:t>app.Use</a:t>
+            </a:r>
+            <a:endParaRPr lang="en-US" dirty="0"/>
+          </a:p>
+        </p:txBody>
+      </p:sp>
+      <p:sp>
+        <p:nvSpPr>
+          <p:cNvPr id="3" name="Text Placeholder 2"/>
+          <p:cNvSpPr>
+            <a:spLocks noGrp="1"/>
+          </p:cNvSpPr>
+          <p:nvPr>
+            <p:ph type="body" idx="1"/>
+          </p:nvPr>
+        </p:nvSpPr>
+        <p:spPr/>
+        <p:txBody>
+          <a:bodyPr/>
+          <a:lstStyle/>
+          <a:p>
+            <a:r>
+              <a:rPr lang="en-US" dirty="0"/>
+              <a:t>Take a </a:t>
+            </a:r>
+            <a:r>
+              <a:rPr lang="en-US" dirty="0" err="1"/>
+              <a:t>ReqeustDelegate</a:t>
+            </a:r>
+            <a:endParaRPr lang="en-US" dirty="0"/>
+          </a:p>
+          <a:p>
+            <a:r>
+              <a:rPr lang="en-US" dirty="0"/>
+              <a:t>Return a </a:t>
+            </a:r>
+            <a:r>
+              <a:rPr lang="en-US" dirty="0" err="1"/>
+              <a:t>RequestDelegate</a:t>
+            </a:r>
+            <a:endParaRPr lang="en-US" dirty="0"/>
+          </a:p>
+        </p:txBody>
+      </p:sp>
+      <p:pic>
+        <p:nvPicPr>
+          <p:cNvPr id="4" name="Picture 3"/>
+          <p:cNvPicPr>
+            <a:picLocks noChangeAspect="1"/>
+          </p:cNvPicPr>
+          <p:nvPr/>
+        </p:nvPicPr>
+        <p:blipFill>
+          <a:blip r:embed="rId2"/>
+          <a:stretch>
+            <a:fillRect/>
+          </a:stretch>
+        </p:blipFill>
+        <p:spPr>
+          <a:xfrm>
+            <a:off x="1362075" y="3167062"/>
+            <a:ext cx="6419850" cy="523875"/>
+          </a:xfrm>
+          <a:prstGeom prst="rect">
+            <a:avLst/>
+          </a:prstGeom>
+        </p:spPr>
+      </p:pic>
+    </p:spTree>
+    <p:extLst>
+      <p:ext uri="{BB962C8B-B14F-4D97-AF65-F5344CB8AC3E}">
+        <p14:creationId xmlns:p14="http://schemas.microsoft.com/office/powerpoint/2010/main" val="1738809062"/>
+      </p:ext>
+    </p:extLst>
+  </p:cSld>
+  <p:clrMapOvr>
+    <a:masterClrMapping/>
+  </p:clrMapOvr>
+  <p:transition>
+    <p:fade/>
+  </p:transition>
 </p:sld>
 </file>
 

--- a/aspnet5/slides/02_Middleware.pptx
+++ b/aspnet5/slides/02_Middleware.pptx
@@ -5,28 +5,26 @@
     <p:sldMasterId id="2147483772" r:id="rId1"/>
   </p:sldMasterIdLst>
   <p:notesMasterIdLst>
-    <p:notesMasterId r:id="rId18"/>
+    <p:notesMasterId r:id="rId16"/>
   </p:notesMasterIdLst>
   <p:handoutMasterIdLst>
-    <p:handoutMasterId r:id="rId19"/>
+    <p:handoutMasterId r:id="rId17"/>
   </p:handoutMasterIdLst>
   <p:sldIdLst>
     <p:sldId id="327" r:id="rId2"/>
-    <p:sldId id="330" r:id="rId3"/>
-    <p:sldId id="328" r:id="rId4"/>
-    <p:sldId id="343" r:id="rId5"/>
-    <p:sldId id="335" r:id="rId6"/>
-    <p:sldId id="334" r:id="rId7"/>
-    <p:sldId id="336" r:id="rId8"/>
-    <p:sldId id="337" r:id="rId9"/>
-    <p:sldId id="338" r:id="rId10"/>
-    <p:sldId id="339" r:id="rId11"/>
-    <p:sldId id="341" r:id="rId12"/>
-    <p:sldId id="340" r:id="rId13"/>
-    <p:sldId id="342" r:id="rId14"/>
-    <p:sldId id="344" r:id="rId15"/>
-    <p:sldId id="346" r:id="rId16"/>
-    <p:sldId id="345" r:id="rId17"/>
+    <p:sldId id="343" r:id="rId3"/>
+    <p:sldId id="335" r:id="rId4"/>
+    <p:sldId id="334" r:id="rId5"/>
+    <p:sldId id="336" r:id="rId6"/>
+    <p:sldId id="337" r:id="rId7"/>
+    <p:sldId id="338" r:id="rId8"/>
+    <p:sldId id="339" r:id="rId9"/>
+    <p:sldId id="341" r:id="rId10"/>
+    <p:sldId id="340" r:id="rId11"/>
+    <p:sldId id="342" r:id="rId12"/>
+    <p:sldId id="344" r:id="rId13"/>
+    <p:sldId id="346" r:id="rId14"/>
+    <p:sldId id="345" r:id="rId15"/>
   </p:sldIdLst>
   <p:sldSz cx="9144000" cy="6858000" type="screen4x3"/>
   <p:notesSz cx="7302500" cy="9588500"/>
@@ -161,8 +159,6 @@
         <p14:section name="Default Section" id="{1FAFB904-873B-4B5C-A5B3-7BBCB9659514}">
           <p14:sldIdLst>
             <p14:sldId id="327"/>
-            <p14:sldId id="330"/>
-            <p14:sldId id="328"/>
             <p14:sldId id="343"/>
             <p14:sldId id="335"/>
             <p14:sldId id="334"/>
@@ -303,7 +299,7 @@
               <a:pPr>
                 <a:defRPr/>
               </a:pPr>
-              <a:t>4/30/2016</a:t>
+              <a:t>3/8/2018</a:t>
             </a:fld>
             <a:endParaRPr lang="en-US"/>
           </a:p>
@@ -1015,7 +1011,7 @@
               <a:pPr>
                 <a:defRPr/>
               </a:pPr>
-              <a:t>15</a:t>
+              <a:t>13</a:t>
             </a:fld>
             <a:endParaRPr lang="en-US"/>
           </a:p>
@@ -2926,239 +2922,6 @@
           <a:lstStyle/>
           <a:p>
             <a:r>
-              <a:rPr lang="en-US" dirty="0" err="1"/>
-              <a:t>app.UseMiddleware</a:t>
-            </a:r>
-            <a:endParaRPr lang="en-US" dirty="0"/>
-          </a:p>
-        </p:txBody>
-      </p:sp>
-      <p:sp>
-        <p:nvSpPr>
-          <p:cNvPr id="3" name="Text Placeholder 2"/>
-          <p:cNvSpPr>
-            <a:spLocks noGrp="1"/>
-          </p:cNvSpPr>
-          <p:nvPr>
-            <p:ph type="body" idx="1"/>
-          </p:nvPr>
-        </p:nvSpPr>
-        <p:spPr/>
-        <p:txBody>
-          <a:bodyPr/>
-          <a:lstStyle/>
-          <a:p>
-            <a:r>
-              <a:rPr lang="en-US" dirty="0"/>
-              <a:t>Encapsulate middleware in a class</a:t>
-            </a:r>
-          </a:p>
-          <a:p>
-            <a:r>
-              <a:rPr lang="en-US" dirty="0"/>
-              <a:t>Requires constructor and Invoke method</a:t>
-            </a:r>
-          </a:p>
-        </p:txBody>
-      </p:sp>
-      <p:pic>
-        <p:nvPicPr>
-          <p:cNvPr id="4" name="Picture 3"/>
-          <p:cNvPicPr>
-            <a:picLocks noChangeAspect="1"/>
-          </p:cNvPicPr>
-          <p:nvPr/>
-        </p:nvPicPr>
-        <p:blipFill>
-          <a:blip r:embed="rId2"/>
-          <a:stretch>
-            <a:fillRect/>
-          </a:stretch>
-        </p:blipFill>
-        <p:spPr>
-          <a:xfrm>
-            <a:off x="685800" y="2671762"/>
-            <a:ext cx="5457825" cy="2047875"/>
-          </a:xfrm>
-          <a:prstGeom prst="rect">
-            <a:avLst/>
-          </a:prstGeom>
-        </p:spPr>
-      </p:pic>
-      <p:pic>
-        <p:nvPicPr>
-          <p:cNvPr id="5" name="Picture 4"/>
-          <p:cNvPicPr>
-            <a:picLocks noChangeAspect="1"/>
-          </p:cNvPicPr>
-          <p:nvPr/>
-        </p:nvPicPr>
-        <p:blipFill>
-          <a:blip r:embed="rId3"/>
-          <a:stretch>
-            <a:fillRect/>
-          </a:stretch>
-        </p:blipFill>
-        <p:spPr>
-          <a:xfrm>
-            <a:off x="3276600" y="5002319"/>
-            <a:ext cx="5219700" cy="638175"/>
-          </a:xfrm>
-          <a:prstGeom prst="rect">
-            <a:avLst/>
-          </a:prstGeom>
-        </p:spPr>
-      </p:pic>
-    </p:spTree>
-    <p:extLst>
-      <p:ext uri="{BB962C8B-B14F-4D97-AF65-F5344CB8AC3E}">
-        <p14:creationId xmlns:p14="http://schemas.microsoft.com/office/powerpoint/2010/main" val="1171627209"/>
-      </p:ext>
-    </p:extLst>
-  </p:cSld>
-  <p:clrMapOvr>
-    <a:masterClrMapping/>
-  </p:clrMapOvr>
-  <p:transition>
-    <p:fade/>
-  </p:transition>
-</p:sld>
-</file>
-
-<file path=ppt/slides/slide11.xml><?xml version="1.0" encoding="utf-8"?>
-<p:sld xmlns:a="http://schemas.openxmlformats.org/drawingml/2006/main" xmlns:r="http://schemas.openxmlformats.org/officeDocument/2006/relationships" xmlns:p="http://schemas.openxmlformats.org/presentationml/2006/main">
-  <p:cSld>
-    <p:spTree>
-      <p:nvGrpSpPr>
-        <p:cNvPr id="1" name=""/>
-        <p:cNvGrpSpPr/>
-        <p:nvPr/>
-      </p:nvGrpSpPr>
-      <p:grpSpPr>
-        <a:xfrm>
-          <a:off x="0" y="0"/>
-          <a:ext cx="0" cy="0"/>
-          <a:chOff x="0" y="0"/>
-          <a:chExt cx="0" cy="0"/>
-        </a:xfrm>
-      </p:grpSpPr>
-      <p:sp>
-        <p:nvSpPr>
-          <p:cNvPr id="2" name="Title 1"/>
-          <p:cNvSpPr>
-            <a:spLocks noGrp="1"/>
-          </p:cNvSpPr>
-          <p:nvPr>
-            <p:ph type="title"/>
-          </p:nvPr>
-        </p:nvSpPr>
-        <p:spPr/>
-        <p:txBody>
-          <a:bodyPr/>
-          <a:lstStyle/>
-          <a:p>
-            <a:r>
-              <a:rPr lang="en-US" dirty="0"/>
-              <a:t>Custom Middleware</a:t>
-            </a:r>
-          </a:p>
-        </p:txBody>
-      </p:sp>
-      <p:sp>
-        <p:nvSpPr>
-          <p:cNvPr id="3" name="Text Placeholder 2"/>
-          <p:cNvSpPr>
-            <a:spLocks noGrp="1"/>
-          </p:cNvSpPr>
-          <p:nvPr>
-            <p:ph type="body" idx="1"/>
-          </p:nvPr>
-        </p:nvSpPr>
-        <p:spPr/>
-        <p:txBody>
-          <a:bodyPr/>
-          <a:lstStyle/>
-          <a:p>
-            <a:r>
-              <a:rPr lang="en-US" dirty="0"/>
-              <a:t>Convention is to create custom options and Use methods. </a:t>
-            </a:r>
-          </a:p>
-        </p:txBody>
-      </p:sp>
-      <p:pic>
-        <p:nvPicPr>
-          <p:cNvPr id="4" name="Picture 3"/>
-          <p:cNvPicPr>
-            <a:picLocks noChangeAspect="1"/>
-          </p:cNvPicPr>
-          <p:nvPr/>
-        </p:nvPicPr>
-        <p:blipFill>
-          <a:blip r:embed="rId2"/>
-          <a:stretch>
-            <a:fillRect/>
-          </a:stretch>
-        </p:blipFill>
-        <p:spPr>
-          <a:xfrm>
-            <a:off x="1885950" y="2943225"/>
-            <a:ext cx="5372100" cy="971550"/>
-          </a:xfrm>
-          <a:prstGeom prst="rect">
-            <a:avLst/>
-          </a:prstGeom>
-        </p:spPr>
-      </p:pic>
-    </p:spTree>
-    <p:extLst>
-      <p:ext uri="{BB962C8B-B14F-4D97-AF65-F5344CB8AC3E}">
-        <p14:creationId xmlns:p14="http://schemas.microsoft.com/office/powerpoint/2010/main" val="3694306967"/>
-      </p:ext>
-    </p:extLst>
-  </p:cSld>
-  <p:clrMapOvr>
-    <a:masterClrMapping/>
-  </p:clrMapOvr>
-  <p:transition>
-    <p:fade/>
-  </p:transition>
-</p:sld>
-</file>
-
-<file path=ppt/slides/slide12.xml><?xml version="1.0" encoding="utf-8"?>
-<p:sld xmlns:a="http://schemas.openxmlformats.org/drawingml/2006/main" xmlns:r="http://schemas.openxmlformats.org/officeDocument/2006/relationships" xmlns:p="http://schemas.openxmlformats.org/presentationml/2006/main">
-  <p:cSld>
-    <p:spTree>
-      <p:nvGrpSpPr>
-        <p:cNvPr id="1" name=""/>
-        <p:cNvGrpSpPr/>
-        <p:nvPr/>
-      </p:nvGrpSpPr>
-      <p:grpSpPr>
-        <a:xfrm>
-          <a:off x="0" y="0"/>
-          <a:ext cx="0" cy="0"/>
-          <a:chOff x="0" y="0"/>
-          <a:chExt cx="0" cy="0"/>
-        </a:xfrm>
-      </p:grpSpPr>
-      <p:sp>
-        <p:nvSpPr>
-          <p:cNvPr id="2" name="Title 1"/>
-          <p:cNvSpPr>
-            <a:spLocks noGrp="1"/>
-          </p:cNvSpPr>
-          <p:nvPr>
-            <p:ph type="title"/>
-          </p:nvPr>
-        </p:nvSpPr>
-        <p:spPr/>
-        <p:txBody>
-          <a:bodyPr/>
-          <a:lstStyle/>
-          <a:p>
-            <a:r>
               <a:rPr lang="en-US" dirty="0"/>
               <a:t>Middleware Pipelines</a:t>
             </a:r>
@@ -3250,7 +3013,7 @@
 </p:sld>
 </file>
 
-<file path=ppt/slides/slide13.xml><?xml version="1.0" encoding="utf-8"?>
+<file path=ppt/slides/slide11.xml><?xml version="1.0" encoding="utf-8"?>
 <p:sld xmlns:a="http://schemas.openxmlformats.org/drawingml/2006/main" xmlns:r="http://schemas.openxmlformats.org/officeDocument/2006/relationships" xmlns:p="http://schemas.openxmlformats.org/presentationml/2006/main">
   <p:cSld>
     <p:spTree>
@@ -3371,7 +3134,7 @@
 </p:sld>
 </file>
 
-<file path=ppt/slides/slide14.xml><?xml version="1.0" encoding="utf-8"?>
+<file path=ppt/slides/slide12.xml><?xml version="1.0" encoding="utf-8"?>
 <p:sld xmlns:a="http://schemas.openxmlformats.org/drawingml/2006/main" xmlns:r="http://schemas.openxmlformats.org/officeDocument/2006/relationships" xmlns:p="http://schemas.openxmlformats.org/presentationml/2006/main">
   <p:cSld>
     <p:spTree>
@@ -3502,7 +3265,7 @@
 </p:sld>
 </file>
 
-<file path=ppt/slides/slide15.xml><?xml version="1.0" encoding="utf-8"?>
+<file path=ppt/slides/slide13.xml><?xml version="1.0" encoding="utf-8"?>
 <p:sld xmlns:a="http://schemas.openxmlformats.org/drawingml/2006/main" xmlns:r="http://schemas.openxmlformats.org/officeDocument/2006/relationships" xmlns:p="http://schemas.openxmlformats.org/presentationml/2006/main">
   <p:cSld>
     <p:spTree>
@@ -3609,7 +3372,7 @@
 </p:sld>
 </file>
 
-<file path=ppt/slides/slide16.xml><?xml version="1.0" encoding="utf-8"?>
+<file path=ppt/slides/slide14.xml><?xml version="1.0" encoding="utf-8"?>
 <p:sld xmlns:a="http://schemas.openxmlformats.org/drawingml/2006/main" xmlns:r="http://schemas.openxmlformats.org/officeDocument/2006/relationships" xmlns:p="http://schemas.openxmlformats.org/presentationml/2006/main">
   <p:cSld>
     <p:spTree>
@@ -4087,314 +3850,6 @@
           <a:p>
             <a:r>
               <a:rPr lang="en-US" dirty="0"/>
-              <a:t>Architecture</a:t>
-            </a:r>
-          </a:p>
-        </p:txBody>
-      </p:sp>
-      <p:sp>
-        <p:nvSpPr>
-          <p:cNvPr id="4" name="Rectangle 3"/>
-          <p:cNvSpPr/>
-          <p:nvPr/>
-        </p:nvSpPr>
-        <p:spPr bwMode="auto">
-          <a:xfrm>
-            <a:off x="838200" y="2344057"/>
-            <a:ext cx="2177143" cy="2380343"/>
-          </a:xfrm>
-          <a:prstGeom prst="rect">
-            <a:avLst/>
-          </a:prstGeom>
-          <a:solidFill>
-            <a:srgbClr val="D3D3A9"/>
-          </a:solidFill>
-          <a:ln w="9525" algn="ctr">
-            <a:solidFill>
-              <a:schemeClr val="tx1"/>
-            </a:solidFill>
-            <a:miter lim="800000"/>
-            <a:headEnd/>
-            <a:tailEnd/>
-          </a:ln>
-          <a:effectLst>
-            <a:outerShdw blurRad="50800" dist="38100" dir="2700000" algn="tl" rotWithShape="0">
-              <a:prstClr val="black">
-                <a:alpha val="40000"/>
-              </a:prstClr>
-            </a:outerShdw>
-          </a:effectLst>
-        </p:spPr>
-        <p:txBody>
-          <a:bodyPr wrap="none" rtlCol="0" anchor="ctr"/>
-          <a:lstStyle/>
-          <a:p>
-            <a:pPr algn="ctr"/>
-            <a:r>
-              <a:rPr lang="en-US" sz="2000" dirty="0">
-                <a:latin typeface="Tekton Pro" pitchFamily="34" charset="0"/>
-              </a:rPr>
-              <a:t>Web Framework</a:t>
-            </a:r>
-          </a:p>
-        </p:txBody>
-      </p:sp>
-      <p:sp>
-        <p:nvSpPr>
-          <p:cNvPr id="5" name="Rectangle 4"/>
-          <p:cNvSpPr/>
-          <p:nvPr/>
-        </p:nvSpPr>
-        <p:spPr bwMode="auto">
-          <a:xfrm>
-            <a:off x="6201229" y="2344057"/>
-            <a:ext cx="2177143" cy="2380343"/>
-          </a:xfrm>
-          <a:prstGeom prst="rect">
-            <a:avLst/>
-          </a:prstGeom>
-          <a:solidFill>
-            <a:srgbClr val="D3D3A9"/>
-          </a:solidFill>
-          <a:ln w="9525" algn="ctr">
-            <a:solidFill>
-              <a:schemeClr val="tx1"/>
-            </a:solidFill>
-            <a:miter lim="800000"/>
-            <a:headEnd/>
-            <a:tailEnd/>
-          </a:ln>
-          <a:effectLst>
-            <a:outerShdw blurRad="50800" dist="38100" dir="2700000" algn="tl" rotWithShape="0">
-              <a:prstClr val="black">
-                <a:alpha val="40000"/>
-              </a:prstClr>
-            </a:outerShdw>
-          </a:effectLst>
-        </p:spPr>
-        <p:txBody>
-          <a:bodyPr wrap="none" rtlCol="0" anchor="ctr"/>
-          <a:lstStyle/>
-          <a:p>
-            <a:pPr algn="ctr"/>
-            <a:r>
-              <a:rPr lang="en-US" sz="2000" dirty="0">
-                <a:latin typeface="Tekton Pro" pitchFamily="34" charset="0"/>
-              </a:rPr>
-              <a:t>Web Server</a:t>
-            </a:r>
-          </a:p>
-        </p:txBody>
-      </p:sp>
-      <p:sp>
-        <p:nvSpPr>
-          <p:cNvPr id="6" name="Left-Right Arrow 5"/>
-          <p:cNvSpPr/>
-          <p:nvPr/>
-        </p:nvSpPr>
-        <p:spPr bwMode="auto">
-          <a:xfrm>
-            <a:off x="3559629" y="3135086"/>
-            <a:ext cx="2104571" cy="725714"/>
-          </a:xfrm>
-          <a:prstGeom prst="leftRightArrow">
-            <a:avLst/>
-          </a:prstGeom>
-          <a:solidFill>
-            <a:srgbClr val="D3D3A9"/>
-          </a:solidFill>
-          <a:ln w="9525" algn="ctr">
-            <a:solidFill>
-              <a:schemeClr val="tx1"/>
-            </a:solidFill>
-            <a:miter lim="800000"/>
-            <a:headEnd/>
-            <a:tailEnd/>
-          </a:ln>
-          <a:effectLst>
-            <a:outerShdw blurRad="50800" dist="38100" dir="2700000" algn="tl" rotWithShape="0">
-              <a:prstClr val="black">
-                <a:alpha val="40000"/>
-              </a:prstClr>
-            </a:outerShdw>
-          </a:effectLst>
-        </p:spPr>
-        <p:txBody>
-          <a:bodyPr wrap="none" rtlCol="0" anchor="ctr"/>
-          <a:lstStyle/>
-          <a:p>
-            <a:pPr algn="ctr"/>
-            <a:endParaRPr lang="en-US" sz="2000" dirty="0">
-              <a:latin typeface="Tekton Pro" pitchFamily="34" charset="0"/>
-            </a:endParaRPr>
-          </a:p>
-        </p:txBody>
-      </p:sp>
-    </p:spTree>
-    <p:extLst>
-      <p:ext uri="{BB962C8B-B14F-4D97-AF65-F5344CB8AC3E}">
-        <p14:creationId xmlns:p14="http://schemas.microsoft.com/office/powerpoint/2010/main" val="250021224"/>
-      </p:ext>
-    </p:extLst>
-  </p:cSld>
-  <p:clrMapOvr>
-    <a:masterClrMapping/>
-  </p:clrMapOvr>
-  <p:transition>
-    <p:fade/>
-  </p:transition>
-</p:sld>
-</file>
-
-<file path=ppt/slides/slide3.xml><?xml version="1.0" encoding="utf-8"?>
-<p:sld xmlns:a="http://schemas.openxmlformats.org/drawingml/2006/main" xmlns:r="http://schemas.openxmlformats.org/officeDocument/2006/relationships" xmlns:p="http://schemas.openxmlformats.org/presentationml/2006/main">
-  <p:cSld>
-    <p:spTree>
-      <p:nvGrpSpPr>
-        <p:cNvPr id="1" name=""/>
-        <p:cNvGrpSpPr/>
-        <p:nvPr/>
-      </p:nvGrpSpPr>
-      <p:grpSpPr>
-        <a:xfrm>
-          <a:off x="0" y="0"/>
-          <a:ext cx="0" cy="0"/>
-          <a:chOff x="0" y="0"/>
-          <a:chExt cx="0" cy="0"/>
-        </a:xfrm>
-      </p:grpSpPr>
-      <p:sp>
-        <p:nvSpPr>
-          <p:cNvPr id="2" name="Title 1"/>
-          <p:cNvSpPr>
-            <a:spLocks noGrp="1"/>
-          </p:cNvSpPr>
-          <p:nvPr>
-            <p:ph type="title"/>
-          </p:nvPr>
-        </p:nvSpPr>
-        <p:spPr/>
-        <p:txBody>
-          <a:bodyPr/>
-          <a:lstStyle/>
-          <a:p>
-            <a:r>
-              <a:rPr lang="en-US" dirty="0"/>
-              <a:t>Processing HTTP Messages</a:t>
-            </a:r>
-          </a:p>
-        </p:txBody>
-      </p:sp>
-      <p:sp>
-        <p:nvSpPr>
-          <p:cNvPr id="3" name="Text Placeholder 2"/>
-          <p:cNvSpPr>
-            <a:spLocks noGrp="1"/>
-          </p:cNvSpPr>
-          <p:nvPr>
-            <p:ph type="body" idx="1"/>
-          </p:nvPr>
-        </p:nvSpPr>
-        <p:spPr/>
-        <p:txBody>
-          <a:bodyPr/>
-          <a:lstStyle/>
-          <a:p>
-            <a:endParaRPr lang="en-US"/>
-          </a:p>
-        </p:txBody>
-      </p:sp>
-      <p:pic>
-        <p:nvPicPr>
-          <p:cNvPr id="1028" name="Picture 4" descr="http://www.cise.ufl.edu/research/ParallelPatterns/PatternLanguage/AlgorithmStructure/Figures/pipeline-stages.gif"/>
-          <p:cNvPicPr>
-            <a:picLocks noChangeAspect="1" noChangeArrowheads="1"/>
-          </p:cNvPicPr>
-          <p:nvPr/>
-        </p:nvPicPr>
-        <p:blipFill>
-          <a:blip r:embed="rId2">
-            <a:extLst>
-              <a:ext uri="{28A0092B-C50C-407E-A947-70E740481C1C}">
-                <a14:useLocalDpi xmlns:a14="http://schemas.microsoft.com/office/drawing/2010/main" val="0"/>
-              </a:ext>
-            </a:extLst>
-          </a:blip>
-          <a:srcRect/>
-          <a:stretch>
-            <a:fillRect/>
-          </a:stretch>
-        </p:blipFill>
-        <p:spPr bwMode="auto">
-          <a:xfrm>
-            <a:off x="2185987" y="2362200"/>
-            <a:ext cx="4772025" cy="2371726"/>
-          </a:xfrm>
-          <a:prstGeom prst="rect">
-            <a:avLst/>
-          </a:prstGeom>
-          <a:noFill/>
-          <a:extLst>
-            <a:ext uri="{909E8E84-426E-40DD-AFC4-6F175D3DCCD1}">
-              <a14:hiddenFill xmlns:a14="http://schemas.microsoft.com/office/drawing/2010/main">
-                <a:solidFill>
-                  <a:srgbClr val="FFFFFF"/>
-                </a:solidFill>
-              </a14:hiddenFill>
-            </a:ext>
-          </a:extLst>
-        </p:spPr>
-      </p:pic>
-    </p:spTree>
-    <p:extLst>
-      <p:ext uri="{BB962C8B-B14F-4D97-AF65-F5344CB8AC3E}">
-        <p14:creationId xmlns:p14="http://schemas.microsoft.com/office/powerpoint/2010/main" val="663681793"/>
-      </p:ext>
-    </p:extLst>
-  </p:cSld>
-  <p:clrMapOvr>
-    <a:masterClrMapping/>
-  </p:clrMapOvr>
-  <p:transition>
-    <p:fade/>
-  </p:transition>
-</p:sld>
-</file>
-
-<file path=ppt/slides/slide4.xml><?xml version="1.0" encoding="utf-8"?>
-<p:sld xmlns:a="http://schemas.openxmlformats.org/drawingml/2006/main" xmlns:r="http://schemas.openxmlformats.org/officeDocument/2006/relationships" xmlns:p="http://schemas.openxmlformats.org/presentationml/2006/main">
-  <p:cSld>
-    <p:spTree>
-      <p:nvGrpSpPr>
-        <p:cNvPr id="1" name=""/>
-        <p:cNvGrpSpPr/>
-        <p:nvPr/>
-      </p:nvGrpSpPr>
-      <p:grpSpPr>
-        <a:xfrm>
-          <a:off x="0" y="0"/>
-          <a:ext cx="0" cy="0"/>
-          <a:chOff x="0" y="0"/>
-          <a:chExt cx="0" cy="0"/>
-        </a:xfrm>
-      </p:grpSpPr>
-      <p:sp>
-        <p:nvSpPr>
-          <p:cNvPr id="2" name="Title 1"/>
-          <p:cNvSpPr>
-            <a:spLocks noGrp="1"/>
-          </p:cNvSpPr>
-          <p:nvPr>
-            <p:ph type="title"/>
-          </p:nvPr>
-        </p:nvSpPr>
-        <p:spPr/>
-        <p:txBody>
-          <a:bodyPr/>
-          <a:lstStyle/>
-          <a:p>
-            <a:r>
-              <a:rPr lang="en-US" dirty="0"/>
               <a:t>Middleware</a:t>
             </a:r>
           </a:p>
@@ -4783,7 +4238,7 @@
 </p:sld>
 </file>
 
-<file path=ppt/slides/slide5.xml><?xml version="1.0" encoding="utf-8"?>
+<file path=ppt/slides/slide3.xml><?xml version="1.0" encoding="utf-8"?>
 <p:sld xmlns:a="http://schemas.openxmlformats.org/drawingml/2006/main" xmlns:r="http://schemas.openxmlformats.org/officeDocument/2006/relationships" xmlns:p="http://schemas.openxmlformats.org/presentationml/2006/main">
   <p:cSld>
     <p:spTree>
@@ -4898,7 +4353,7 @@
 </p:sld>
 </file>
 
-<file path=ppt/slides/slide6.xml><?xml version="1.0" encoding="utf-8"?>
+<file path=ppt/slides/slide4.xml><?xml version="1.0" encoding="utf-8"?>
 <p:sld xmlns:a="http://schemas.openxmlformats.org/drawingml/2006/main" xmlns:r="http://schemas.openxmlformats.org/officeDocument/2006/relationships" xmlns:p="http://schemas.openxmlformats.org/presentationml/2006/main">
   <p:cSld>
     <p:spTree>
@@ -5027,7 +4482,7 @@
 </p:sld>
 </file>
 
-<file path=ppt/slides/slide7.xml><?xml version="1.0" encoding="utf-8"?>
+<file path=ppt/slides/slide5.xml><?xml version="1.0" encoding="utf-8"?>
 <p:sld xmlns:a="http://schemas.openxmlformats.org/drawingml/2006/main" xmlns:r="http://schemas.openxmlformats.org/officeDocument/2006/relationships" xmlns:p="http://schemas.openxmlformats.org/presentationml/2006/main">
   <p:cSld>
     <p:spTree>
@@ -5129,7 +4584,7 @@
 </p:sld>
 </file>
 
-<file path=ppt/slides/slide8.xml><?xml version="1.0" encoding="utf-8"?>
+<file path=ppt/slides/slide6.xml><?xml version="1.0" encoding="utf-8"?>
 <p:sld xmlns:a="http://schemas.openxmlformats.org/drawingml/2006/main" xmlns:r="http://schemas.openxmlformats.org/officeDocument/2006/relationships" xmlns:p="http://schemas.openxmlformats.org/presentationml/2006/main">
   <p:cSld>
     <p:spTree>
@@ -5242,7 +4697,7 @@
 </p:sld>
 </file>
 
-<file path=ppt/slides/slide9.xml><?xml version="1.0" encoding="utf-8"?>
+<file path=ppt/slides/slide7.xml><?xml version="1.0" encoding="utf-8"?>
 <p:sld xmlns:a="http://schemas.openxmlformats.org/drawingml/2006/main" xmlns:r="http://schemas.openxmlformats.org/officeDocument/2006/relationships" xmlns:p="http://schemas.openxmlformats.org/presentationml/2006/main">
   <p:cSld>
     <p:spTree>
@@ -5348,6 +4803,239 @@
     <p:extLst>
       <p:ext uri="{BB962C8B-B14F-4D97-AF65-F5344CB8AC3E}">
         <p14:creationId xmlns:p14="http://schemas.microsoft.com/office/powerpoint/2010/main" val="1738809062"/>
+      </p:ext>
+    </p:extLst>
+  </p:cSld>
+  <p:clrMapOvr>
+    <a:masterClrMapping/>
+  </p:clrMapOvr>
+  <p:transition>
+    <p:fade/>
+  </p:transition>
+</p:sld>
+</file>
+
+<file path=ppt/slides/slide8.xml><?xml version="1.0" encoding="utf-8"?>
+<p:sld xmlns:a="http://schemas.openxmlformats.org/drawingml/2006/main" xmlns:r="http://schemas.openxmlformats.org/officeDocument/2006/relationships" xmlns:p="http://schemas.openxmlformats.org/presentationml/2006/main">
+  <p:cSld>
+    <p:spTree>
+      <p:nvGrpSpPr>
+        <p:cNvPr id="1" name=""/>
+        <p:cNvGrpSpPr/>
+        <p:nvPr/>
+      </p:nvGrpSpPr>
+      <p:grpSpPr>
+        <a:xfrm>
+          <a:off x="0" y="0"/>
+          <a:ext cx="0" cy="0"/>
+          <a:chOff x="0" y="0"/>
+          <a:chExt cx="0" cy="0"/>
+        </a:xfrm>
+      </p:grpSpPr>
+      <p:sp>
+        <p:nvSpPr>
+          <p:cNvPr id="2" name="Title 1"/>
+          <p:cNvSpPr>
+            <a:spLocks noGrp="1"/>
+          </p:cNvSpPr>
+          <p:nvPr>
+            <p:ph type="title"/>
+          </p:nvPr>
+        </p:nvSpPr>
+        <p:spPr/>
+        <p:txBody>
+          <a:bodyPr/>
+          <a:lstStyle/>
+          <a:p>
+            <a:r>
+              <a:rPr lang="en-US" dirty="0" err="1"/>
+              <a:t>app.UseMiddleware</a:t>
+            </a:r>
+            <a:endParaRPr lang="en-US" dirty="0"/>
+          </a:p>
+        </p:txBody>
+      </p:sp>
+      <p:sp>
+        <p:nvSpPr>
+          <p:cNvPr id="3" name="Text Placeholder 2"/>
+          <p:cNvSpPr>
+            <a:spLocks noGrp="1"/>
+          </p:cNvSpPr>
+          <p:nvPr>
+            <p:ph type="body" idx="1"/>
+          </p:nvPr>
+        </p:nvSpPr>
+        <p:spPr/>
+        <p:txBody>
+          <a:bodyPr/>
+          <a:lstStyle/>
+          <a:p>
+            <a:r>
+              <a:rPr lang="en-US" dirty="0"/>
+              <a:t>Encapsulate middleware in a class</a:t>
+            </a:r>
+          </a:p>
+          <a:p>
+            <a:r>
+              <a:rPr lang="en-US" dirty="0"/>
+              <a:t>Requires constructor and Invoke method</a:t>
+            </a:r>
+          </a:p>
+        </p:txBody>
+      </p:sp>
+      <p:pic>
+        <p:nvPicPr>
+          <p:cNvPr id="4" name="Picture 3"/>
+          <p:cNvPicPr>
+            <a:picLocks noChangeAspect="1"/>
+          </p:cNvPicPr>
+          <p:nvPr/>
+        </p:nvPicPr>
+        <p:blipFill>
+          <a:blip r:embed="rId2"/>
+          <a:stretch>
+            <a:fillRect/>
+          </a:stretch>
+        </p:blipFill>
+        <p:spPr>
+          <a:xfrm>
+            <a:off x="685800" y="2671762"/>
+            <a:ext cx="5457825" cy="2047875"/>
+          </a:xfrm>
+          <a:prstGeom prst="rect">
+            <a:avLst/>
+          </a:prstGeom>
+        </p:spPr>
+      </p:pic>
+      <p:pic>
+        <p:nvPicPr>
+          <p:cNvPr id="5" name="Picture 4"/>
+          <p:cNvPicPr>
+            <a:picLocks noChangeAspect="1"/>
+          </p:cNvPicPr>
+          <p:nvPr/>
+        </p:nvPicPr>
+        <p:blipFill>
+          <a:blip r:embed="rId3"/>
+          <a:stretch>
+            <a:fillRect/>
+          </a:stretch>
+        </p:blipFill>
+        <p:spPr>
+          <a:xfrm>
+            <a:off x="3276600" y="5002319"/>
+            <a:ext cx="5219700" cy="638175"/>
+          </a:xfrm>
+          <a:prstGeom prst="rect">
+            <a:avLst/>
+          </a:prstGeom>
+        </p:spPr>
+      </p:pic>
+    </p:spTree>
+    <p:extLst>
+      <p:ext uri="{BB962C8B-B14F-4D97-AF65-F5344CB8AC3E}">
+        <p14:creationId xmlns:p14="http://schemas.microsoft.com/office/powerpoint/2010/main" val="1171627209"/>
+      </p:ext>
+    </p:extLst>
+  </p:cSld>
+  <p:clrMapOvr>
+    <a:masterClrMapping/>
+  </p:clrMapOvr>
+  <p:transition>
+    <p:fade/>
+  </p:transition>
+</p:sld>
+</file>
+
+<file path=ppt/slides/slide9.xml><?xml version="1.0" encoding="utf-8"?>
+<p:sld xmlns:a="http://schemas.openxmlformats.org/drawingml/2006/main" xmlns:r="http://schemas.openxmlformats.org/officeDocument/2006/relationships" xmlns:p="http://schemas.openxmlformats.org/presentationml/2006/main">
+  <p:cSld>
+    <p:spTree>
+      <p:nvGrpSpPr>
+        <p:cNvPr id="1" name=""/>
+        <p:cNvGrpSpPr/>
+        <p:nvPr/>
+      </p:nvGrpSpPr>
+      <p:grpSpPr>
+        <a:xfrm>
+          <a:off x="0" y="0"/>
+          <a:ext cx="0" cy="0"/>
+          <a:chOff x="0" y="0"/>
+          <a:chExt cx="0" cy="0"/>
+        </a:xfrm>
+      </p:grpSpPr>
+      <p:sp>
+        <p:nvSpPr>
+          <p:cNvPr id="2" name="Title 1"/>
+          <p:cNvSpPr>
+            <a:spLocks noGrp="1"/>
+          </p:cNvSpPr>
+          <p:nvPr>
+            <p:ph type="title"/>
+          </p:nvPr>
+        </p:nvSpPr>
+        <p:spPr/>
+        <p:txBody>
+          <a:bodyPr/>
+          <a:lstStyle/>
+          <a:p>
+            <a:r>
+              <a:rPr lang="en-US" dirty="0"/>
+              <a:t>Custom Middleware</a:t>
+            </a:r>
+          </a:p>
+        </p:txBody>
+      </p:sp>
+      <p:sp>
+        <p:nvSpPr>
+          <p:cNvPr id="3" name="Text Placeholder 2"/>
+          <p:cNvSpPr>
+            <a:spLocks noGrp="1"/>
+          </p:cNvSpPr>
+          <p:nvPr>
+            <p:ph type="body" idx="1"/>
+          </p:nvPr>
+        </p:nvSpPr>
+        <p:spPr/>
+        <p:txBody>
+          <a:bodyPr/>
+          <a:lstStyle/>
+          <a:p>
+            <a:r>
+              <a:rPr lang="en-US" dirty="0"/>
+              <a:t>Convention is to create custom options and Use methods. </a:t>
+            </a:r>
+          </a:p>
+        </p:txBody>
+      </p:sp>
+      <p:pic>
+        <p:nvPicPr>
+          <p:cNvPr id="4" name="Picture 3"/>
+          <p:cNvPicPr>
+            <a:picLocks noChangeAspect="1"/>
+          </p:cNvPicPr>
+          <p:nvPr/>
+        </p:nvPicPr>
+        <p:blipFill>
+          <a:blip r:embed="rId2"/>
+          <a:stretch>
+            <a:fillRect/>
+          </a:stretch>
+        </p:blipFill>
+        <p:spPr>
+          <a:xfrm>
+            <a:off x="1885950" y="2943225"/>
+            <a:ext cx="5372100" cy="971550"/>
+          </a:xfrm>
+          <a:prstGeom prst="rect">
+            <a:avLst/>
+          </a:prstGeom>
+        </p:spPr>
+      </p:pic>
+    </p:spTree>
+    <p:extLst>
+      <p:ext uri="{BB962C8B-B14F-4D97-AF65-F5344CB8AC3E}">
+        <p14:creationId xmlns:p14="http://schemas.microsoft.com/office/powerpoint/2010/main" val="3694306967"/>
       </p:ext>
     </p:extLst>
   </p:cSld>

--- a/aspnet5/slides/02_Middleware.pptx
+++ b/aspnet5/slides/02_Middleware.pptx
@@ -299,7 +299,7 @@
               <a:pPr>
                 <a:defRPr/>
               </a:pPr>
-              <a:t>3/8/2018</a:t>
+              <a:t>3/14/2018</a:t>
             </a:fld>
             <a:endParaRPr lang="en-US"/>
           </a:p>
@@ -3074,14 +3074,8 @@
           </a:p>
           <a:p>
             <a:r>
-              <a:rPr lang="en-US" dirty="0"/>
+              <a:rPr lang="en-US"/>
               <a:t>Diagnostics</a:t>
-            </a:r>
-          </a:p>
-          <a:p>
-            <a:r>
-              <a:rPr lang="en-US" dirty="0" err="1"/>
-              <a:t>BrowserLink</a:t>
             </a:r>
             <a:endParaRPr lang="en-US" dirty="0"/>
           </a:p>
